--- a/i/Sistemas.pptx
+++ b/i/Sistemas.pptx
@@ -266,7 +266,7 @@
           <a:p>
             <a:fld id="{BD21E0E1-A2C5-48C6-9105-6CF53D1FF6D2}" type="datetimeFigureOut">
               <a:rPr lang="pt-BR" smtClean="0"/>
-              <a:t>22/06/2019</a:t>
+              <a:t>31/10/2019</a:t>
             </a:fld>
             <a:endParaRPr lang="pt-BR"/>
           </a:p>
@@ -464,7 +464,7 @@
           <a:p>
             <a:fld id="{BD21E0E1-A2C5-48C6-9105-6CF53D1FF6D2}" type="datetimeFigureOut">
               <a:rPr lang="pt-BR" smtClean="0"/>
-              <a:t>22/06/2019</a:t>
+              <a:t>31/10/2019</a:t>
             </a:fld>
             <a:endParaRPr lang="pt-BR"/>
           </a:p>
@@ -672,7 +672,7 @@
           <a:p>
             <a:fld id="{BD21E0E1-A2C5-48C6-9105-6CF53D1FF6D2}" type="datetimeFigureOut">
               <a:rPr lang="pt-BR" smtClean="0"/>
-              <a:t>22/06/2019</a:t>
+              <a:t>31/10/2019</a:t>
             </a:fld>
             <a:endParaRPr lang="pt-BR"/>
           </a:p>
@@ -870,7 +870,7 @@
           <a:p>
             <a:fld id="{BD21E0E1-A2C5-48C6-9105-6CF53D1FF6D2}" type="datetimeFigureOut">
               <a:rPr lang="pt-BR" smtClean="0"/>
-              <a:t>22/06/2019</a:t>
+              <a:t>31/10/2019</a:t>
             </a:fld>
             <a:endParaRPr lang="pt-BR"/>
           </a:p>
@@ -1145,7 +1145,7 @@
           <a:p>
             <a:fld id="{BD21E0E1-A2C5-48C6-9105-6CF53D1FF6D2}" type="datetimeFigureOut">
               <a:rPr lang="pt-BR" smtClean="0"/>
-              <a:t>22/06/2019</a:t>
+              <a:t>31/10/2019</a:t>
             </a:fld>
             <a:endParaRPr lang="pt-BR"/>
           </a:p>
@@ -1410,7 +1410,7 @@
           <a:p>
             <a:fld id="{BD21E0E1-A2C5-48C6-9105-6CF53D1FF6D2}" type="datetimeFigureOut">
               <a:rPr lang="pt-BR" smtClean="0"/>
-              <a:t>22/06/2019</a:t>
+              <a:t>31/10/2019</a:t>
             </a:fld>
             <a:endParaRPr lang="pt-BR"/>
           </a:p>
@@ -1822,7 +1822,7 @@
           <a:p>
             <a:fld id="{BD21E0E1-A2C5-48C6-9105-6CF53D1FF6D2}" type="datetimeFigureOut">
               <a:rPr lang="pt-BR" smtClean="0"/>
-              <a:t>22/06/2019</a:t>
+              <a:t>31/10/2019</a:t>
             </a:fld>
             <a:endParaRPr lang="pt-BR"/>
           </a:p>
@@ -1963,7 +1963,7 @@
           <a:p>
             <a:fld id="{BD21E0E1-A2C5-48C6-9105-6CF53D1FF6D2}" type="datetimeFigureOut">
               <a:rPr lang="pt-BR" smtClean="0"/>
-              <a:t>22/06/2019</a:t>
+              <a:t>31/10/2019</a:t>
             </a:fld>
             <a:endParaRPr lang="pt-BR"/>
           </a:p>
@@ -2076,7 +2076,7 @@
           <a:p>
             <a:fld id="{BD21E0E1-A2C5-48C6-9105-6CF53D1FF6D2}" type="datetimeFigureOut">
               <a:rPr lang="pt-BR" smtClean="0"/>
-              <a:t>22/06/2019</a:t>
+              <a:t>31/10/2019</a:t>
             </a:fld>
             <a:endParaRPr lang="pt-BR"/>
           </a:p>
@@ -2387,7 +2387,7 @@
           <a:p>
             <a:fld id="{BD21E0E1-A2C5-48C6-9105-6CF53D1FF6D2}" type="datetimeFigureOut">
               <a:rPr lang="pt-BR" smtClean="0"/>
-              <a:t>22/06/2019</a:t>
+              <a:t>31/10/2019</a:t>
             </a:fld>
             <a:endParaRPr lang="pt-BR"/>
           </a:p>
@@ -2675,7 +2675,7 @@
           <a:p>
             <a:fld id="{BD21E0E1-A2C5-48C6-9105-6CF53D1FF6D2}" type="datetimeFigureOut">
               <a:rPr lang="pt-BR" smtClean="0"/>
-              <a:t>22/06/2019</a:t>
+              <a:t>31/10/2019</a:t>
             </a:fld>
             <a:endParaRPr lang="pt-BR"/>
           </a:p>
@@ -2916,7 +2916,7 @@
           <a:p>
             <a:fld id="{BD21E0E1-A2C5-48C6-9105-6CF53D1FF6D2}" type="datetimeFigureOut">
               <a:rPr lang="pt-BR" smtClean="0"/>
-              <a:t>22/06/2019</a:t>
+              <a:t>31/10/2019</a:t>
             </a:fld>
             <a:endParaRPr lang="pt-BR"/>
           </a:p>
@@ -12101,8 +12101,8 @@
         </p:nvSpPr>
         <p:spPr>
           <a:xfrm>
-            <a:off x="1413249" y="1027480"/>
-            <a:ext cx="2534387" cy="1003000"/>
+            <a:off x="2295899" y="1437315"/>
+            <a:ext cx="2534387" cy="1105425"/>
           </a:xfrm>
           <a:prstGeom prst="rect">
             <a:avLst/>
@@ -12163,7 +12163,7 @@
         </p:blipFill>
         <p:spPr>
           <a:xfrm>
-            <a:off x="2183369" y="1106563"/>
+            <a:off x="3066019" y="1468527"/>
             <a:ext cx="994147" cy="683113"/>
           </a:xfrm>
           <a:prstGeom prst="rect">
@@ -13177,10 +13177,10 @@
       </p:sp>
       <p:sp>
         <p:nvSpPr>
-          <p:cNvPr id="118" name="Elipse 117">
-            <a:extLst>
-              <a:ext uri="{FF2B5EF4-FFF2-40B4-BE49-F238E27FC236}">
-                <a16:creationId xmlns:a16="http://schemas.microsoft.com/office/drawing/2014/main" id="{65A8F55E-FCA9-4C0A-99F7-656DEFB9A565}"/>
+          <p:cNvPr id="119" name="Elipse 118">
+            <a:extLst>
+              <a:ext uri="{FF2B5EF4-FFF2-40B4-BE49-F238E27FC236}">
+                <a16:creationId xmlns:a16="http://schemas.microsoft.com/office/drawing/2014/main" id="{5473B67F-4630-4B11-BD42-669B9AFCA8F5}"/>
               </a:ext>
             </a:extLst>
           </p:cNvPr>
@@ -13189,7 +13189,7 @@
         </p:nvSpPr>
         <p:spPr>
           <a:xfrm>
-            <a:off x="2100812" y="4745924"/>
+            <a:off x="4565568" y="4745924"/>
             <a:ext cx="234749" cy="234749"/>
           </a:xfrm>
           <a:prstGeom prst="ellipse">
@@ -13234,10 +13234,10 @@
       </p:sp>
       <p:sp>
         <p:nvSpPr>
-          <p:cNvPr id="119" name="Elipse 118">
-            <a:extLst>
-              <a:ext uri="{FF2B5EF4-FFF2-40B4-BE49-F238E27FC236}">
-                <a16:creationId xmlns:a16="http://schemas.microsoft.com/office/drawing/2014/main" id="{5473B67F-4630-4B11-BD42-669B9AFCA8F5}"/>
+          <p:cNvPr id="120" name="Elipse 119">
+            <a:extLst>
+              <a:ext uri="{FF2B5EF4-FFF2-40B4-BE49-F238E27FC236}">
+                <a16:creationId xmlns:a16="http://schemas.microsoft.com/office/drawing/2014/main" id="{A00AC2AA-4FFF-4B3A-BBFA-B353672A1115}"/>
               </a:ext>
             </a:extLst>
           </p:cNvPr>
@@ -13246,7 +13246,7 @@
         </p:nvSpPr>
         <p:spPr>
           <a:xfrm>
-            <a:off x="4565568" y="4745924"/>
+            <a:off x="3333189" y="4121262"/>
             <a:ext cx="234749" cy="234749"/>
           </a:xfrm>
           <a:prstGeom prst="ellipse">
@@ -13289,102 +13289,6 @@
           </a:p>
         </p:txBody>
       </p:sp>
-      <p:sp>
-        <p:nvSpPr>
-          <p:cNvPr id="120" name="Elipse 119">
-            <a:extLst>
-              <a:ext uri="{FF2B5EF4-FFF2-40B4-BE49-F238E27FC236}">
-                <a16:creationId xmlns:a16="http://schemas.microsoft.com/office/drawing/2014/main" id="{A00AC2AA-4FFF-4B3A-BBFA-B353672A1115}"/>
-              </a:ext>
-            </a:extLst>
-          </p:cNvPr>
-          <p:cNvSpPr/>
-          <p:nvPr/>
-        </p:nvSpPr>
-        <p:spPr>
-          <a:xfrm>
-            <a:off x="3333189" y="4121262"/>
-            <a:ext cx="234749" cy="234749"/>
-          </a:xfrm>
-          <a:prstGeom prst="ellipse">
-            <a:avLst/>
-          </a:prstGeom>
-          <a:noFill/>
-          <a:ln w="9525" cap="flat" cmpd="sng" algn="ctr">
-            <a:solidFill>
-              <a:schemeClr val="dk1"/>
-            </a:solidFill>
-            <a:prstDash val="solid"/>
-            <a:round/>
-            <a:headEnd type="none" w="med" len="med"/>
-            <a:tailEnd type="none" w="med" len="med"/>
-          </a:ln>
-        </p:spPr>
-        <p:style>
-          <a:lnRef idx="0">
-            <a:scrgbClr r="0" g="0" b="0"/>
-          </a:lnRef>
-          <a:fillRef idx="0">
-            <a:scrgbClr r="0" g="0" b="0"/>
-          </a:fillRef>
-          <a:effectRef idx="0">
-            <a:scrgbClr r="0" g="0" b="0"/>
-          </a:effectRef>
-          <a:fontRef idx="minor">
-            <a:schemeClr val="dk1"/>
-          </a:fontRef>
-        </p:style>
-        <p:txBody>
-          <a:bodyPr rtlCol="0" anchor="ctr"/>
-          <a:lstStyle/>
-          <a:p>
-            <a:pPr algn="ctr"/>
-            <a:r>
-              <a:rPr lang="pt-BR" sz="1400" dirty="0"/>
-              <a:t>M</a:t>
-            </a:r>
-          </a:p>
-        </p:txBody>
-      </p:sp>
-      <p:cxnSp>
-        <p:nvCxnSpPr>
-          <p:cNvPr id="122" name="Conector reto 121">
-            <a:extLst>
-              <a:ext uri="{FF2B5EF4-FFF2-40B4-BE49-F238E27FC236}">
-                <a16:creationId xmlns:a16="http://schemas.microsoft.com/office/drawing/2014/main" id="{4547577A-F6DF-4E88-B81E-761F54A0312E}"/>
-              </a:ext>
-            </a:extLst>
-          </p:cNvPr>
-          <p:cNvCxnSpPr>
-            <a:stCxn id="118" idx="4"/>
-            <a:endCxn id="107" idx="0"/>
-          </p:cNvCxnSpPr>
-          <p:nvPr/>
-        </p:nvCxnSpPr>
-        <p:spPr>
-          <a:xfrm>
-            <a:off x="2218187" y="4980673"/>
-            <a:ext cx="1" cy="251884"/>
-          </a:xfrm>
-          <a:prstGeom prst="line">
-            <a:avLst/>
-          </a:prstGeom>
-        </p:spPr>
-        <p:style>
-          <a:lnRef idx="2">
-            <a:schemeClr val="dk1"/>
-          </a:lnRef>
-          <a:fillRef idx="0">
-            <a:schemeClr val="dk1"/>
-          </a:fillRef>
-          <a:effectRef idx="1">
-            <a:schemeClr val="dk1"/>
-          </a:effectRef>
-          <a:fontRef idx="minor">
-            <a:schemeClr val="tx1"/>
-          </a:fontRef>
-        </p:style>
-      </p:cxnSp>
       <p:cxnSp>
         <p:nvCxnSpPr>
           <p:cNvPr id="123" name="Conector reto 122">
@@ -13495,8 +13399,12 @@
           <a:p>
             <a:pPr algn="ctr"/>
             <a:r>
+              <a:rPr lang="pt-BR" sz="1000" dirty="0" err="1"/>
+              <a:t>Bobinador</a:t>
+            </a:r>
+            <a:r>
               <a:rPr lang="pt-BR" sz="1000" dirty="0"/>
-              <a:t>Bobinador #1</a:t>
+              <a:t> #1</a:t>
             </a:r>
           </a:p>
         </p:txBody>
@@ -13531,8 +13439,12 @@
           <a:p>
             <a:pPr algn="ctr"/>
             <a:r>
+              <a:rPr lang="pt-BR" sz="1000" dirty="0" err="1"/>
+              <a:t>Bobinador</a:t>
+            </a:r>
+            <a:r>
               <a:rPr lang="pt-BR" sz="1000" dirty="0"/>
-              <a:t>Bobinador #2</a:t>
+              <a:t> #2</a:t>
             </a:r>
           </a:p>
         </p:txBody>
@@ -13616,286 +13528,6 @@
           </a:fontRef>
         </p:style>
       </p:cxnSp>
-      <p:cxnSp>
-        <p:nvCxnSpPr>
-          <p:cNvPr id="151" name="Conector reto 134">
-            <a:extLst>
-              <a:ext uri="{FF2B5EF4-FFF2-40B4-BE49-F238E27FC236}">
-                <a16:creationId xmlns:a16="http://schemas.microsoft.com/office/drawing/2014/main" id="{16F76BC5-4986-4842-8B37-106AE2063B3E}"/>
-              </a:ext>
-            </a:extLst>
-          </p:cNvPr>
-          <p:cNvCxnSpPr>
-            <a:cxnSpLocks/>
-            <a:stCxn id="160" idx="2"/>
-          </p:cNvCxnSpPr>
-          <p:nvPr/>
-        </p:nvCxnSpPr>
-        <p:spPr>
-          <a:xfrm>
-            <a:off x="1829844" y="3506093"/>
-            <a:ext cx="2103" cy="381110"/>
-          </a:xfrm>
-          <a:prstGeom prst="straightConnector1">
-            <a:avLst/>
-          </a:prstGeom>
-        </p:spPr>
-        <p:style>
-          <a:lnRef idx="2">
-            <a:schemeClr val="accent2"/>
-          </a:lnRef>
-          <a:fillRef idx="0">
-            <a:schemeClr val="accent2"/>
-          </a:fillRef>
-          <a:effectRef idx="1">
-            <a:schemeClr val="accent2"/>
-          </a:effectRef>
-          <a:fontRef idx="minor">
-            <a:schemeClr val="tx1"/>
-          </a:fontRef>
-        </p:style>
-      </p:cxnSp>
-      <p:cxnSp>
-        <p:nvCxnSpPr>
-          <p:cNvPr id="154" name="Conector reto 134">
-            <a:extLst>
-              <a:ext uri="{FF2B5EF4-FFF2-40B4-BE49-F238E27FC236}">
-                <a16:creationId xmlns:a16="http://schemas.microsoft.com/office/drawing/2014/main" id="{99545B6A-D920-4C0B-9170-F210B9A6A722}"/>
-              </a:ext>
-            </a:extLst>
-          </p:cNvPr>
-          <p:cNvCxnSpPr>
-            <a:cxnSpLocks/>
-            <a:endCxn id="119" idx="0"/>
-          </p:cNvCxnSpPr>
-          <p:nvPr/>
-        </p:nvCxnSpPr>
-        <p:spPr>
-          <a:xfrm>
-            <a:off x="1829843" y="3880369"/>
-            <a:ext cx="2853100" cy="865555"/>
-          </a:xfrm>
-          <a:prstGeom prst="bentConnector2">
-            <a:avLst/>
-          </a:prstGeom>
-          <a:ln>
-            <a:tailEnd type="triangle"/>
-          </a:ln>
-        </p:spPr>
-        <p:style>
-          <a:lnRef idx="2">
-            <a:schemeClr val="accent2"/>
-          </a:lnRef>
-          <a:fillRef idx="0">
-            <a:schemeClr val="accent2"/>
-          </a:fillRef>
-          <a:effectRef idx="1">
-            <a:schemeClr val="accent2"/>
-          </a:effectRef>
-          <a:fontRef idx="minor">
-            <a:schemeClr val="tx1"/>
-          </a:fontRef>
-        </p:style>
-      </p:cxnSp>
-      <p:grpSp>
-        <p:nvGrpSpPr>
-          <p:cNvPr id="165" name="Agrupar 164">
-            <a:extLst>
-              <a:ext uri="{FF2B5EF4-FFF2-40B4-BE49-F238E27FC236}">
-                <a16:creationId xmlns:a16="http://schemas.microsoft.com/office/drawing/2014/main" id="{909ECF79-A941-4A1A-83D9-FF5BBF59E7BB}"/>
-              </a:ext>
-            </a:extLst>
-          </p:cNvPr>
-          <p:cNvGrpSpPr/>
-          <p:nvPr/>
-        </p:nvGrpSpPr>
-        <p:grpSpPr>
-          <a:xfrm>
-            <a:off x="1410692" y="3054317"/>
-            <a:ext cx="594173" cy="451776"/>
-            <a:chOff x="1956639" y="2645105"/>
-            <a:chExt cx="594173" cy="451776"/>
-          </a:xfrm>
-        </p:grpSpPr>
-        <p:sp>
-          <p:nvSpPr>
-            <p:cNvPr id="157" name="Retângulo 156">
-              <a:extLst>
-                <a:ext uri="{FF2B5EF4-FFF2-40B4-BE49-F238E27FC236}">
-                  <a16:creationId xmlns:a16="http://schemas.microsoft.com/office/drawing/2014/main" id="{ED890ECB-CAEA-4158-96FA-95A653A18B3F}"/>
-                </a:ext>
-              </a:extLst>
-            </p:cNvPr>
-            <p:cNvSpPr/>
-            <p:nvPr/>
-          </p:nvSpPr>
-          <p:spPr>
-            <a:xfrm>
-              <a:off x="1990696" y="2645105"/>
-              <a:ext cx="530225" cy="447712"/>
-            </a:xfrm>
-            <a:prstGeom prst="rect">
-              <a:avLst/>
-            </a:prstGeom>
-            <a:noFill/>
-            <a:ln w="9525" cap="flat" cmpd="sng" algn="ctr">
-              <a:solidFill>
-                <a:schemeClr val="dk1"/>
-              </a:solidFill>
-              <a:prstDash val="solid"/>
-              <a:round/>
-              <a:headEnd type="none" w="med" len="med"/>
-              <a:tailEnd type="none" w="med" len="med"/>
-            </a:ln>
-          </p:spPr>
-          <p:style>
-            <a:lnRef idx="0">
-              <a:scrgbClr r="0" g="0" b="0"/>
-            </a:lnRef>
-            <a:fillRef idx="0">
-              <a:scrgbClr r="0" g="0" b="0"/>
-            </a:fillRef>
-            <a:effectRef idx="0">
-              <a:scrgbClr r="0" g="0" b="0"/>
-            </a:effectRef>
-            <a:fontRef idx="minor">
-              <a:schemeClr val="dk1"/>
-            </a:fontRef>
-          </p:style>
-          <p:txBody>
-            <a:bodyPr rtlCol="0" anchor="ctr"/>
-            <a:lstStyle/>
-            <a:p>
-              <a:pPr algn="ctr"/>
-              <a:endParaRPr lang="pt-BR"/>
-            </a:p>
-          </p:txBody>
-        </p:sp>
-        <p:sp>
-          <p:nvSpPr>
-            <p:cNvPr id="158" name="CaixaDeTexto 157">
-              <a:extLst>
-                <a:ext uri="{FF2B5EF4-FFF2-40B4-BE49-F238E27FC236}">
-                  <a16:creationId xmlns:a16="http://schemas.microsoft.com/office/drawing/2014/main" id="{982F1593-DD3E-47B4-94B6-CEB00398F967}"/>
-                </a:ext>
-              </a:extLst>
-            </p:cNvPr>
-            <p:cNvSpPr txBox="1"/>
-            <p:nvPr/>
-          </p:nvSpPr>
-          <p:spPr>
-            <a:xfrm>
-              <a:off x="1956639" y="2668920"/>
-              <a:ext cx="594173" cy="400110"/>
-            </a:xfrm>
-            <a:prstGeom prst="rect">
-              <a:avLst/>
-            </a:prstGeom>
-            <a:noFill/>
-            <a:ln>
-              <a:noFill/>
-            </a:ln>
-          </p:spPr>
-          <p:txBody>
-            <a:bodyPr wrap="square" rtlCol="0">
-              <a:spAutoFit/>
-            </a:bodyPr>
-            <a:lstStyle/>
-            <a:p>
-              <a:pPr algn="ctr"/>
-              <a:r>
-                <a:rPr lang="pt-BR" sz="1000" dirty="0"/>
-                <a:t>Módulo</a:t>
-              </a:r>
-            </a:p>
-            <a:p>
-              <a:pPr algn="ctr"/>
-              <a:r>
-                <a:rPr lang="pt-BR" sz="1000" dirty="0"/>
-                <a:t>L298</a:t>
-              </a:r>
-            </a:p>
-          </p:txBody>
-        </p:sp>
-        <p:sp>
-          <p:nvSpPr>
-            <p:cNvPr id="159" name="CaixaDeTexto 158">
-              <a:extLst>
-                <a:ext uri="{FF2B5EF4-FFF2-40B4-BE49-F238E27FC236}">
-                  <a16:creationId xmlns:a16="http://schemas.microsoft.com/office/drawing/2014/main" id="{6E240F1E-6CE3-42BE-854D-59664F2EAFBA}"/>
-                </a:ext>
-              </a:extLst>
-            </p:cNvPr>
-            <p:cNvSpPr txBox="1"/>
-            <p:nvPr/>
-          </p:nvSpPr>
-          <p:spPr>
-            <a:xfrm>
-              <a:off x="2050034" y="2952881"/>
-              <a:ext cx="180845" cy="144000"/>
-            </a:xfrm>
-            <a:prstGeom prst="rect">
-              <a:avLst/>
-            </a:prstGeom>
-            <a:noFill/>
-            <a:ln>
-              <a:noFill/>
-            </a:ln>
-          </p:spPr>
-          <p:txBody>
-            <a:bodyPr wrap="square" rtlCol="0">
-              <a:spAutoFit/>
-            </a:bodyPr>
-            <a:lstStyle/>
-            <a:p>
-              <a:pPr algn="ctr"/>
-              <a:r>
-                <a:rPr lang="pt-BR" sz="600" dirty="0"/>
-                <a:t>A</a:t>
-              </a:r>
-            </a:p>
-          </p:txBody>
-        </p:sp>
-        <p:sp>
-          <p:nvSpPr>
-            <p:cNvPr id="160" name="CaixaDeTexto 159">
-              <a:extLst>
-                <a:ext uri="{FF2B5EF4-FFF2-40B4-BE49-F238E27FC236}">
-                  <a16:creationId xmlns:a16="http://schemas.microsoft.com/office/drawing/2014/main" id="{5F25E4F4-BAFE-4BBB-9606-2D55661CDF4B}"/>
-                </a:ext>
-              </a:extLst>
-            </p:cNvPr>
-            <p:cNvSpPr txBox="1"/>
-            <p:nvPr/>
-          </p:nvSpPr>
-          <p:spPr>
-            <a:xfrm>
-              <a:off x="2285368" y="2952881"/>
-              <a:ext cx="180845" cy="144000"/>
-            </a:xfrm>
-            <a:prstGeom prst="rect">
-              <a:avLst/>
-            </a:prstGeom>
-            <a:noFill/>
-            <a:ln>
-              <a:noFill/>
-            </a:ln>
-          </p:spPr>
-          <p:txBody>
-            <a:bodyPr wrap="square" rtlCol="0">
-              <a:spAutoFit/>
-            </a:bodyPr>
-            <a:lstStyle/>
-            <a:p>
-              <a:pPr algn="ctr"/>
-              <a:r>
-                <a:rPr lang="pt-BR" sz="600" dirty="0"/>
-                <a:t>B</a:t>
-              </a:r>
-            </a:p>
-          </p:txBody>
-        </p:sp>
-      </p:grpSp>
       <p:grpSp>
         <p:nvGrpSpPr>
           <p:cNvPr id="170" name="Agrupar 169">
@@ -14210,7 +13842,7 @@
               <a:pPr algn="ctr"/>
               <a:r>
                 <a:rPr lang="pt-BR" sz="1000" dirty="0"/>
-                <a:t>ACS712</a:t>
+                <a:t>INA219</a:t>
               </a:r>
             </a:p>
           </p:txBody>
@@ -14331,389 +13963,12 @@
               <a:pPr algn="ctr"/>
               <a:r>
                 <a:rPr lang="pt-BR" sz="1000" dirty="0"/>
-                <a:t>LM393</a:t>
+                <a:t>KY-040</a:t>
               </a:r>
             </a:p>
           </p:txBody>
         </p:sp>
       </p:grpSp>
-      <p:grpSp>
-        <p:nvGrpSpPr>
-          <p:cNvPr id="189" name="Agrupar 188">
-            <a:extLst>
-              <a:ext uri="{FF2B5EF4-FFF2-40B4-BE49-F238E27FC236}">
-                <a16:creationId xmlns:a16="http://schemas.microsoft.com/office/drawing/2014/main" id="{BC84EF11-742D-4CE8-9404-690A1F1E35C0}"/>
-              </a:ext>
-            </a:extLst>
-          </p:cNvPr>
-          <p:cNvGrpSpPr/>
-          <p:nvPr/>
-        </p:nvGrpSpPr>
-        <p:grpSpPr>
-          <a:xfrm>
-            <a:off x="5138567" y="3080150"/>
-            <a:ext cx="594173" cy="400110"/>
-            <a:chOff x="5286504" y="2559406"/>
-            <a:chExt cx="594173" cy="400110"/>
-          </a:xfrm>
-        </p:grpSpPr>
-        <p:sp>
-          <p:nvSpPr>
-            <p:cNvPr id="190" name="Retângulo 189">
-              <a:extLst>
-                <a:ext uri="{FF2B5EF4-FFF2-40B4-BE49-F238E27FC236}">
-                  <a16:creationId xmlns:a16="http://schemas.microsoft.com/office/drawing/2014/main" id="{22F161C6-5ACA-4680-BEA8-7EEE8FC1545C}"/>
-                </a:ext>
-              </a:extLst>
-            </p:cNvPr>
-            <p:cNvSpPr/>
-            <p:nvPr/>
-          </p:nvSpPr>
-          <p:spPr>
-            <a:xfrm>
-              <a:off x="5320561" y="2559406"/>
-              <a:ext cx="530225" cy="400110"/>
-            </a:xfrm>
-            <a:prstGeom prst="rect">
-              <a:avLst/>
-            </a:prstGeom>
-            <a:noFill/>
-            <a:ln w="9525" cap="flat" cmpd="sng" algn="ctr">
-              <a:solidFill>
-                <a:schemeClr val="dk1"/>
-              </a:solidFill>
-              <a:prstDash val="solid"/>
-              <a:round/>
-              <a:headEnd type="none" w="med" len="med"/>
-              <a:tailEnd type="none" w="med" len="med"/>
-            </a:ln>
-          </p:spPr>
-          <p:style>
-            <a:lnRef idx="0">
-              <a:scrgbClr r="0" g="0" b="0"/>
-            </a:lnRef>
-            <a:fillRef idx="0">
-              <a:scrgbClr r="0" g="0" b="0"/>
-            </a:fillRef>
-            <a:effectRef idx="0">
-              <a:scrgbClr r="0" g="0" b="0"/>
-            </a:effectRef>
-            <a:fontRef idx="minor">
-              <a:schemeClr val="dk1"/>
-            </a:fontRef>
-          </p:style>
-          <p:txBody>
-            <a:bodyPr rtlCol="0" anchor="ctr"/>
-            <a:lstStyle/>
-            <a:p>
-              <a:pPr algn="ctr"/>
-              <a:endParaRPr lang="pt-BR"/>
-            </a:p>
-          </p:txBody>
-        </p:sp>
-        <p:sp>
-          <p:nvSpPr>
-            <p:cNvPr id="191" name="CaixaDeTexto 190">
-              <a:extLst>
-                <a:ext uri="{FF2B5EF4-FFF2-40B4-BE49-F238E27FC236}">
-                  <a16:creationId xmlns:a16="http://schemas.microsoft.com/office/drawing/2014/main" id="{AB3F1615-7868-45DE-AFF6-C8A90B21B234}"/>
-                </a:ext>
-              </a:extLst>
-            </p:cNvPr>
-            <p:cNvSpPr txBox="1"/>
-            <p:nvPr/>
-          </p:nvSpPr>
-          <p:spPr>
-            <a:xfrm>
-              <a:off x="5286504" y="2559406"/>
-              <a:ext cx="594173" cy="400110"/>
-            </a:xfrm>
-            <a:prstGeom prst="rect">
-              <a:avLst/>
-            </a:prstGeom>
-            <a:noFill/>
-            <a:ln>
-              <a:noFill/>
-            </a:ln>
-          </p:spPr>
-          <p:txBody>
-            <a:bodyPr wrap="square" rtlCol="0">
-              <a:spAutoFit/>
-            </a:bodyPr>
-            <a:lstStyle/>
-            <a:p>
-              <a:pPr algn="ctr"/>
-              <a:r>
-                <a:rPr lang="pt-BR" sz="1000" dirty="0"/>
-                <a:t>Módulo</a:t>
-              </a:r>
-            </a:p>
-            <a:p>
-              <a:pPr algn="ctr"/>
-              <a:r>
-                <a:rPr lang="pt-BR" sz="1000" dirty="0"/>
-                <a:t>ACS712</a:t>
-              </a:r>
-            </a:p>
-          </p:txBody>
-        </p:sp>
-      </p:grpSp>
-      <p:grpSp>
-        <p:nvGrpSpPr>
-          <p:cNvPr id="192" name="Agrupar 191">
-            <a:extLst>
-              <a:ext uri="{FF2B5EF4-FFF2-40B4-BE49-F238E27FC236}">
-                <a16:creationId xmlns:a16="http://schemas.microsoft.com/office/drawing/2014/main" id="{79014AE4-777A-49A3-BAD4-679555220AAF}"/>
-              </a:ext>
-            </a:extLst>
-          </p:cNvPr>
-          <p:cNvGrpSpPr/>
-          <p:nvPr/>
-        </p:nvGrpSpPr>
-        <p:grpSpPr>
-          <a:xfrm>
-            <a:off x="4517252" y="3080150"/>
-            <a:ext cx="594173" cy="400110"/>
-            <a:chOff x="5407983" y="3028890"/>
-            <a:chExt cx="594173" cy="400110"/>
-          </a:xfrm>
-        </p:grpSpPr>
-        <p:sp>
-          <p:nvSpPr>
-            <p:cNvPr id="193" name="Retângulo 192">
-              <a:extLst>
-                <a:ext uri="{FF2B5EF4-FFF2-40B4-BE49-F238E27FC236}">
-                  <a16:creationId xmlns:a16="http://schemas.microsoft.com/office/drawing/2014/main" id="{6DE4F39A-FC16-4A88-9155-9A839B160DE2}"/>
-                </a:ext>
-              </a:extLst>
-            </p:cNvPr>
-            <p:cNvSpPr/>
-            <p:nvPr/>
-          </p:nvSpPr>
-          <p:spPr>
-            <a:xfrm>
-              <a:off x="5442040" y="3028890"/>
-              <a:ext cx="530225" cy="400110"/>
-            </a:xfrm>
-            <a:prstGeom prst="rect">
-              <a:avLst/>
-            </a:prstGeom>
-            <a:noFill/>
-            <a:ln w="9525" cap="flat" cmpd="sng" algn="ctr">
-              <a:solidFill>
-                <a:schemeClr val="dk1"/>
-              </a:solidFill>
-              <a:prstDash val="solid"/>
-              <a:round/>
-              <a:headEnd type="none" w="med" len="med"/>
-              <a:tailEnd type="none" w="med" len="med"/>
-            </a:ln>
-          </p:spPr>
-          <p:style>
-            <a:lnRef idx="0">
-              <a:scrgbClr r="0" g="0" b="0"/>
-            </a:lnRef>
-            <a:fillRef idx="0">
-              <a:scrgbClr r="0" g="0" b="0"/>
-            </a:fillRef>
-            <a:effectRef idx="0">
-              <a:scrgbClr r="0" g="0" b="0"/>
-            </a:effectRef>
-            <a:fontRef idx="minor">
-              <a:schemeClr val="dk1"/>
-            </a:fontRef>
-          </p:style>
-          <p:txBody>
-            <a:bodyPr rtlCol="0" anchor="ctr"/>
-            <a:lstStyle/>
-            <a:p>
-              <a:pPr algn="ctr"/>
-              <a:endParaRPr lang="pt-BR"/>
-            </a:p>
-          </p:txBody>
-        </p:sp>
-        <p:sp>
-          <p:nvSpPr>
-            <p:cNvPr id="194" name="CaixaDeTexto 193">
-              <a:extLst>
-                <a:ext uri="{FF2B5EF4-FFF2-40B4-BE49-F238E27FC236}">
-                  <a16:creationId xmlns:a16="http://schemas.microsoft.com/office/drawing/2014/main" id="{2354C65F-84D9-4A63-9A96-7F77AC99E327}"/>
-                </a:ext>
-              </a:extLst>
-            </p:cNvPr>
-            <p:cNvSpPr txBox="1"/>
-            <p:nvPr/>
-          </p:nvSpPr>
-          <p:spPr>
-            <a:xfrm>
-              <a:off x="5407983" y="3028890"/>
-              <a:ext cx="594173" cy="400110"/>
-            </a:xfrm>
-            <a:prstGeom prst="rect">
-              <a:avLst/>
-            </a:prstGeom>
-            <a:noFill/>
-            <a:ln>
-              <a:noFill/>
-            </a:ln>
-          </p:spPr>
-          <p:txBody>
-            <a:bodyPr wrap="square" rtlCol="0">
-              <a:spAutoFit/>
-            </a:bodyPr>
-            <a:lstStyle/>
-            <a:p>
-              <a:pPr algn="ctr"/>
-              <a:r>
-                <a:rPr lang="pt-BR" sz="1000" dirty="0"/>
-                <a:t>Módulo</a:t>
-              </a:r>
-            </a:p>
-            <a:p>
-              <a:pPr algn="ctr"/>
-              <a:r>
-                <a:rPr lang="pt-BR" sz="1000" dirty="0"/>
-                <a:t>LM393</a:t>
-              </a:r>
-            </a:p>
-          </p:txBody>
-        </p:sp>
-      </p:grpSp>
-      <p:cxnSp>
-        <p:nvCxnSpPr>
-          <p:cNvPr id="205" name="Conector reto 134">
-            <a:extLst>
-              <a:ext uri="{FF2B5EF4-FFF2-40B4-BE49-F238E27FC236}">
-                <a16:creationId xmlns:a16="http://schemas.microsoft.com/office/drawing/2014/main" id="{9ADD15C7-FD99-4302-896E-35756F1E5036}"/>
-              </a:ext>
-            </a:extLst>
-          </p:cNvPr>
-          <p:cNvCxnSpPr>
-            <a:cxnSpLocks/>
-            <a:stCxn id="282" idx="2"/>
-            <a:endCxn id="118" idx="1"/>
-          </p:cNvCxnSpPr>
-          <p:nvPr/>
-        </p:nvCxnSpPr>
-        <p:spPr>
-          <a:xfrm rot="16200000" flipH="1">
-            <a:off x="960807" y="3605919"/>
-            <a:ext cx="1300042" cy="1048723"/>
-          </a:xfrm>
-          <a:prstGeom prst="bentConnector3">
-            <a:avLst>
-              <a:gd name="adj1" fmla="val 50000"/>
-            </a:avLst>
-          </a:prstGeom>
-          <a:ln>
-            <a:headEnd type="triangle"/>
-          </a:ln>
-        </p:spPr>
-        <p:style>
-          <a:lnRef idx="2">
-            <a:schemeClr val="accent1"/>
-          </a:lnRef>
-          <a:fillRef idx="0">
-            <a:schemeClr val="accent1"/>
-          </a:fillRef>
-          <a:effectRef idx="1">
-            <a:schemeClr val="accent1"/>
-          </a:effectRef>
-          <a:fontRef idx="minor">
-            <a:schemeClr val="tx1"/>
-          </a:fontRef>
-        </p:style>
-      </p:cxnSp>
-      <p:cxnSp>
-        <p:nvCxnSpPr>
-          <p:cNvPr id="225" name="Conector reto 134">
-            <a:extLst>
-              <a:ext uri="{FF2B5EF4-FFF2-40B4-BE49-F238E27FC236}">
-                <a16:creationId xmlns:a16="http://schemas.microsoft.com/office/drawing/2014/main" id="{0ED12641-76D6-4A54-BF36-690AAA08494D}"/>
-              </a:ext>
-            </a:extLst>
-          </p:cNvPr>
-          <p:cNvCxnSpPr>
-            <a:cxnSpLocks/>
-            <a:stCxn id="159" idx="2"/>
-            <a:endCxn id="118" idx="0"/>
-          </p:cNvCxnSpPr>
-          <p:nvPr/>
-        </p:nvCxnSpPr>
-        <p:spPr>
-          <a:xfrm rot="16200000" flipH="1">
-            <a:off x="1286433" y="3814169"/>
-            <a:ext cx="1239831" cy="623677"/>
-          </a:xfrm>
-          <a:prstGeom prst="bentConnector3">
-            <a:avLst>
-              <a:gd name="adj1" fmla="val 40397"/>
-            </a:avLst>
-          </a:prstGeom>
-          <a:ln>
-            <a:tailEnd type="triangle"/>
-          </a:ln>
-        </p:spPr>
-        <p:style>
-          <a:lnRef idx="2">
-            <a:schemeClr val="accent2"/>
-          </a:lnRef>
-          <a:fillRef idx="0">
-            <a:schemeClr val="accent2"/>
-          </a:fillRef>
-          <a:effectRef idx="1">
-            <a:schemeClr val="accent2"/>
-          </a:effectRef>
-          <a:fontRef idx="minor">
-            <a:schemeClr val="tx1"/>
-          </a:fontRef>
-        </p:style>
-      </p:cxnSp>
-      <p:cxnSp>
-        <p:nvCxnSpPr>
-          <p:cNvPr id="228" name="Conector reto 134">
-            <a:extLst>
-              <a:ext uri="{FF2B5EF4-FFF2-40B4-BE49-F238E27FC236}">
-                <a16:creationId xmlns:a16="http://schemas.microsoft.com/office/drawing/2014/main" id="{6A07931E-93F7-4899-BDE1-10473D58CFE6}"/>
-              </a:ext>
-            </a:extLst>
-          </p:cNvPr>
-          <p:cNvCxnSpPr>
-            <a:cxnSpLocks/>
-            <a:stCxn id="279" idx="2"/>
-            <a:endCxn id="118" idx="7"/>
-          </p:cNvCxnSpPr>
-          <p:nvPr/>
-        </p:nvCxnSpPr>
-        <p:spPr>
-          <a:xfrm rot="16200000" flipH="1">
-            <a:off x="1650827" y="4129946"/>
-            <a:ext cx="1300042" cy="670"/>
-          </a:xfrm>
-          <a:prstGeom prst="bentConnector3">
-            <a:avLst>
-              <a:gd name="adj1" fmla="val 50000"/>
-            </a:avLst>
-          </a:prstGeom>
-          <a:ln>
-            <a:headEnd type="triangle"/>
-          </a:ln>
-        </p:spPr>
-        <p:style>
-          <a:lnRef idx="2">
-            <a:schemeClr val="accent5"/>
-          </a:lnRef>
-          <a:fillRef idx="0">
-            <a:schemeClr val="accent5"/>
-          </a:fillRef>
-          <a:effectRef idx="1">
-            <a:schemeClr val="accent5"/>
-          </a:effectRef>
-          <a:fontRef idx="minor">
-            <a:schemeClr val="tx1"/>
-          </a:fontRef>
-        </p:style>
-      </p:cxnSp>
       <p:cxnSp>
         <p:nvCxnSpPr>
           <p:cNvPr id="231" name="Conector reto 134">
@@ -14791,104 +14046,13 @@
         </p:spPr>
         <p:style>
           <a:lnRef idx="2">
-            <a:schemeClr val="accent5"/>
+            <a:schemeClr val="accent6"/>
           </a:lnRef>
           <a:fillRef idx="0">
-            <a:schemeClr val="accent5"/>
+            <a:schemeClr val="accent6"/>
           </a:fillRef>
           <a:effectRef idx="1">
-            <a:schemeClr val="accent5"/>
-          </a:effectRef>
-          <a:fontRef idx="minor">
-            <a:schemeClr val="tx1"/>
-          </a:fontRef>
-        </p:style>
-      </p:cxnSp>
-      <p:cxnSp>
-        <p:nvCxnSpPr>
-          <p:cNvPr id="245" name="Conector reto 134">
-            <a:extLst>
-              <a:ext uri="{FF2B5EF4-FFF2-40B4-BE49-F238E27FC236}">
-                <a16:creationId xmlns:a16="http://schemas.microsoft.com/office/drawing/2014/main" id="{FBA33F65-030D-45FE-853A-E27364F15B40}"/>
-              </a:ext>
-            </a:extLst>
-          </p:cNvPr>
-          <p:cNvCxnSpPr>
-            <a:cxnSpLocks/>
-            <a:stCxn id="194" idx="2"/>
-            <a:endCxn id="119" idx="1"/>
-          </p:cNvCxnSpPr>
-          <p:nvPr/>
-        </p:nvCxnSpPr>
-        <p:spPr>
-          <a:xfrm rot="5400000">
-            <a:off x="4057122" y="4023085"/>
-            <a:ext cx="1300042" cy="214393"/>
-          </a:xfrm>
-          <a:prstGeom prst="bentConnector3">
-            <a:avLst>
-              <a:gd name="adj1" fmla="val 17762"/>
-            </a:avLst>
-          </a:prstGeom>
-          <a:ln>
-            <a:headEnd type="triangle"/>
-          </a:ln>
-        </p:spPr>
-        <p:style>
-          <a:lnRef idx="2">
-            <a:schemeClr val="accent1"/>
-          </a:lnRef>
-          <a:fillRef idx="0">
-            <a:schemeClr val="accent1"/>
-          </a:fillRef>
-          <a:effectRef idx="1">
-            <a:schemeClr val="accent1"/>
-          </a:effectRef>
-          <a:fontRef idx="minor">
-            <a:schemeClr val="tx1"/>
-          </a:fontRef>
-        </p:style>
-      </p:cxnSp>
-      <p:cxnSp>
-        <p:nvCxnSpPr>
-          <p:cNvPr id="249" name="Conector reto 134">
-            <a:extLst>
-              <a:ext uri="{FF2B5EF4-FFF2-40B4-BE49-F238E27FC236}">
-                <a16:creationId xmlns:a16="http://schemas.microsoft.com/office/drawing/2014/main" id="{FA29A062-E0E7-4480-A9B8-689E355A04B6}"/>
-              </a:ext>
-            </a:extLst>
-          </p:cNvPr>
-          <p:cNvCxnSpPr>
-            <a:cxnSpLocks/>
-            <a:stCxn id="191" idx="2"/>
-            <a:endCxn id="119" idx="7"/>
-          </p:cNvCxnSpPr>
-          <p:nvPr/>
-        </p:nvCxnSpPr>
-        <p:spPr>
-          <a:xfrm rot="5400000">
-            <a:off x="4450776" y="3795424"/>
-            <a:ext cx="1300042" cy="669715"/>
-          </a:xfrm>
-          <a:prstGeom prst="bentConnector3">
-            <a:avLst>
-              <a:gd name="adj1" fmla="val 30950"/>
-            </a:avLst>
-          </a:prstGeom>
-          <a:ln>
-            <a:headEnd type="triangle"/>
-            <a:tailEnd type="none"/>
-          </a:ln>
-        </p:spPr>
-        <p:style>
-          <a:lnRef idx="2">
-            <a:schemeClr val="accent5"/>
-          </a:lnRef>
-          <a:fillRef idx="0">
-            <a:schemeClr val="accent5"/>
-          </a:fillRef>
-          <a:effectRef idx="1">
-            <a:schemeClr val="accent5"/>
+            <a:schemeClr val="accent6"/>
           </a:effectRef>
           <a:fontRef idx="minor">
             <a:schemeClr val="tx1"/>
@@ -14909,7 +14073,7 @@
         </p:nvSpPr>
         <p:spPr>
           <a:xfrm>
-            <a:off x="1407969" y="1670481"/>
+            <a:off x="2290619" y="2182740"/>
             <a:ext cx="741567" cy="360000"/>
           </a:xfrm>
           <a:prstGeom prst="rect">
@@ -14926,7 +14090,7 @@
             <a:pPr algn="ctr"/>
             <a:r>
               <a:rPr lang="pt-BR" sz="1000" dirty="0"/>
-              <a:t>Entradas Analógicas</a:t>
+              <a:t>Entradas Digitais</a:t>
             </a:r>
           </a:p>
         </p:txBody>
@@ -14945,7 +14109,7 @@
         </p:nvSpPr>
         <p:spPr>
           <a:xfrm>
-            <a:off x="3428755" y="1663711"/>
+            <a:off x="3303652" y="2182740"/>
             <a:ext cx="518881" cy="360000"/>
           </a:xfrm>
           <a:prstGeom prst="rect">
@@ -14962,31 +14126,31 @@
             <a:pPr algn="ctr"/>
             <a:r>
               <a:rPr lang="pt-BR" sz="1000" dirty="0"/>
-              <a:t>Saídas PWM</a:t>
+              <a:t>Saída PWM</a:t>
             </a:r>
           </a:p>
         </p:txBody>
       </p:sp>
       <p:cxnSp>
         <p:nvCxnSpPr>
-          <p:cNvPr id="266" name="Conector reto 134">
-            <a:extLst>
-              <a:ext uri="{FF2B5EF4-FFF2-40B4-BE49-F238E27FC236}">
-                <a16:creationId xmlns:a16="http://schemas.microsoft.com/office/drawing/2014/main" id="{6B65DF31-0A25-4A60-A184-E7C364C6CA84}"/>
+          <p:cNvPr id="274" name="Conector reto 134">
+            <a:extLst>
+              <a:ext uri="{FF2B5EF4-FFF2-40B4-BE49-F238E27FC236}">
+                <a16:creationId xmlns:a16="http://schemas.microsoft.com/office/drawing/2014/main" id="{A42009F0-27F8-481F-9A72-651E72CA52D5}"/>
               </a:ext>
             </a:extLst>
           </p:cNvPr>
           <p:cNvCxnSpPr>
             <a:cxnSpLocks/>
             <a:stCxn id="264" idx="2"/>
-            <a:endCxn id="282" idx="0"/>
+            <a:endCxn id="187" idx="0"/>
           </p:cNvCxnSpPr>
           <p:nvPr/>
         </p:nvCxnSpPr>
         <p:spPr>
-          <a:xfrm rot="5400000">
-            <a:off x="907776" y="2209172"/>
-            <a:ext cx="1049669" cy="692286"/>
+          <a:xfrm rot="16200000" flipH="1">
+            <a:off x="2527672" y="2676471"/>
+            <a:ext cx="537410" cy="269948"/>
           </a:xfrm>
           <a:prstGeom prst="bentConnector3">
             <a:avLst>
@@ -15012,596 +14176,6 @@
           </a:fontRef>
         </p:style>
       </p:cxnSp>
-      <p:cxnSp>
-        <p:nvCxnSpPr>
-          <p:cNvPr id="270" name="Conector reto 134">
-            <a:extLst>
-              <a:ext uri="{FF2B5EF4-FFF2-40B4-BE49-F238E27FC236}">
-                <a16:creationId xmlns:a16="http://schemas.microsoft.com/office/drawing/2014/main" id="{9976B789-10CB-473A-B43E-9BE32AAE70AA}"/>
-              </a:ext>
-            </a:extLst>
-          </p:cNvPr>
-          <p:cNvCxnSpPr>
-            <a:cxnSpLocks/>
-            <a:stCxn id="264" idx="2"/>
-            <a:endCxn id="278" idx="0"/>
-          </p:cNvCxnSpPr>
-          <p:nvPr/>
-        </p:nvCxnSpPr>
-        <p:spPr>
-          <a:xfrm rot="16200000" flipH="1">
-            <a:off x="1515840" y="2293393"/>
-            <a:ext cx="1049669" cy="523843"/>
-          </a:xfrm>
-          <a:prstGeom prst="bentConnector3">
-            <a:avLst>
-              <a:gd name="adj1" fmla="val 50000"/>
-            </a:avLst>
-          </a:prstGeom>
-          <a:ln>
-            <a:headEnd type="triangle"/>
-          </a:ln>
-        </p:spPr>
-        <p:style>
-          <a:lnRef idx="2">
-            <a:schemeClr val="accent5"/>
-          </a:lnRef>
-          <a:fillRef idx="0">
-            <a:schemeClr val="accent5"/>
-          </a:fillRef>
-          <a:effectRef idx="1">
-            <a:schemeClr val="accent5"/>
-          </a:effectRef>
-          <a:fontRef idx="minor">
-            <a:schemeClr val="tx1"/>
-          </a:fontRef>
-        </p:style>
-      </p:cxnSp>
-      <p:cxnSp>
-        <p:nvCxnSpPr>
-          <p:cNvPr id="274" name="Conector reto 134">
-            <a:extLst>
-              <a:ext uri="{FF2B5EF4-FFF2-40B4-BE49-F238E27FC236}">
-                <a16:creationId xmlns:a16="http://schemas.microsoft.com/office/drawing/2014/main" id="{A42009F0-27F8-481F-9A72-651E72CA52D5}"/>
-              </a:ext>
-            </a:extLst>
-          </p:cNvPr>
-          <p:cNvCxnSpPr>
-            <a:cxnSpLocks/>
-            <a:stCxn id="264" idx="2"/>
-            <a:endCxn id="187" idx="0"/>
-          </p:cNvCxnSpPr>
-          <p:nvPr/>
-        </p:nvCxnSpPr>
-        <p:spPr>
-          <a:xfrm rot="16200000" flipH="1">
-            <a:off x="1830218" y="1979016"/>
-            <a:ext cx="1049669" cy="1152598"/>
-          </a:xfrm>
-          <a:prstGeom prst="bentConnector3">
-            <a:avLst>
-              <a:gd name="adj1" fmla="val 50000"/>
-            </a:avLst>
-          </a:prstGeom>
-          <a:ln>
-            <a:headEnd type="triangle"/>
-          </a:ln>
-        </p:spPr>
-        <p:style>
-          <a:lnRef idx="2">
-            <a:schemeClr val="accent5"/>
-          </a:lnRef>
-          <a:fillRef idx="0">
-            <a:schemeClr val="accent5"/>
-          </a:fillRef>
-          <a:effectRef idx="1">
-            <a:schemeClr val="accent5"/>
-          </a:effectRef>
-          <a:fontRef idx="minor">
-            <a:schemeClr val="tx1"/>
-          </a:fontRef>
-        </p:style>
-      </p:cxnSp>
-      <p:grpSp>
-        <p:nvGrpSpPr>
-          <p:cNvPr id="277" name="Agrupar 276">
-            <a:extLst>
-              <a:ext uri="{FF2B5EF4-FFF2-40B4-BE49-F238E27FC236}">
-                <a16:creationId xmlns:a16="http://schemas.microsoft.com/office/drawing/2014/main" id="{6195321D-2D31-4435-8E3B-D74330E40624}"/>
-              </a:ext>
-            </a:extLst>
-          </p:cNvPr>
-          <p:cNvGrpSpPr/>
-          <p:nvPr/>
-        </p:nvGrpSpPr>
-        <p:grpSpPr>
-          <a:xfrm>
-            <a:off x="2003426" y="3080150"/>
-            <a:ext cx="594173" cy="400110"/>
-            <a:chOff x="5286504" y="2559406"/>
-            <a:chExt cx="594173" cy="400110"/>
-          </a:xfrm>
-        </p:grpSpPr>
-        <p:sp>
-          <p:nvSpPr>
-            <p:cNvPr id="278" name="Retângulo 277">
-              <a:extLst>
-                <a:ext uri="{FF2B5EF4-FFF2-40B4-BE49-F238E27FC236}">
-                  <a16:creationId xmlns:a16="http://schemas.microsoft.com/office/drawing/2014/main" id="{40CEA8C0-81A2-4926-9BDD-F5952D01F03E}"/>
-                </a:ext>
-              </a:extLst>
-            </p:cNvPr>
-            <p:cNvSpPr/>
-            <p:nvPr/>
-          </p:nvSpPr>
-          <p:spPr>
-            <a:xfrm>
-              <a:off x="5320561" y="2559406"/>
-              <a:ext cx="530225" cy="400110"/>
-            </a:xfrm>
-            <a:prstGeom prst="rect">
-              <a:avLst/>
-            </a:prstGeom>
-            <a:noFill/>
-            <a:ln w="9525" cap="flat" cmpd="sng" algn="ctr">
-              <a:solidFill>
-                <a:schemeClr val="dk1"/>
-              </a:solidFill>
-              <a:prstDash val="solid"/>
-              <a:round/>
-              <a:headEnd type="none" w="med" len="med"/>
-              <a:tailEnd type="none" w="med" len="med"/>
-            </a:ln>
-          </p:spPr>
-          <p:style>
-            <a:lnRef idx="0">
-              <a:scrgbClr r="0" g="0" b="0"/>
-            </a:lnRef>
-            <a:fillRef idx="0">
-              <a:scrgbClr r="0" g="0" b="0"/>
-            </a:fillRef>
-            <a:effectRef idx="0">
-              <a:scrgbClr r="0" g="0" b="0"/>
-            </a:effectRef>
-            <a:fontRef idx="minor">
-              <a:schemeClr val="dk1"/>
-            </a:fontRef>
-          </p:style>
-          <p:txBody>
-            <a:bodyPr rtlCol="0" anchor="ctr"/>
-            <a:lstStyle/>
-            <a:p>
-              <a:pPr algn="ctr"/>
-              <a:endParaRPr lang="pt-BR"/>
-            </a:p>
-          </p:txBody>
-        </p:sp>
-        <p:sp>
-          <p:nvSpPr>
-            <p:cNvPr id="279" name="CaixaDeTexto 278">
-              <a:extLst>
-                <a:ext uri="{FF2B5EF4-FFF2-40B4-BE49-F238E27FC236}">
-                  <a16:creationId xmlns:a16="http://schemas.microsoft.com/office/drawing/2014/main" id="{0246DB33-4400-4EEB-8488-451E177B0263}"/>
-                </a:ext>
-              </a:extLst>
-            </p:cNvPr>
-            <p:cNvSpPr txBox="1"/>
-            <p:nvPr/>
-          </p:nvSpPr>
-          <p:spPr>
-            <a:xfrm>
-              <a:off x="5286504" y="2559406"/>
-              <a:ext cx="594173" cy="400110"/>
-            </a:xfrm>
-            <a:prstGeom prst="rect">
-              <a:avLst/>
-            </a:prstGeom>
-            <a:noFill/>
-            <a:ln>
-              <a:noFill/>
-            </a:ln>
-          </p:spPr>
-          <p:txBody>
-            <a:bodyPr wrap="square" rtlCol="0">
-              <a:spAutoFit/>
-            </a:bodyPr>
-            <a:lstStyle/>
-            <a:p>
-              <a:pPr algn="ctr"/>
-              <a:r>
-                <a:rPr lang="pt-BR" sz="1000" dirty="0"/>
-                <a:t>Módulo</a:t>
-              </a:r>
-            </a:p>
-            <a:p>
-              <a:pPr algn="ctr"/>
-              <a:r>
-                <a:rPr lang="pt-BR" sz="1000" dirty="0"/>
-                <a:t>ACS712</a:t>
-              </a:r>
-            </a:p>
-          </p:txBody>
-        </p:sp>
-      </p:grpSp>
-      <p:grpSp>
-        <p:nvGrpSpPr>
-          <p:cNvPr id="280" name="Agrupar 279">
-            <a:extLst>
-              <a:ext uri="{FF2B5EF4-FFF2-40B4-BE49-F238E27FC236}">
-                <a16:creationId xmlns:a16="http://schemas.microsoft.com/office/drawing/2014/main" id="{F8208511-641A-48A3-A5A7-080C3CF5DEAF}"/>
-              </a:ext>
-            </a:extLst>
-          </p:cNvPr>
-          <p:cNvGrpSpPr/>
-          <p:nvPr/>
-        </p:nvGrpSpPr>
-        <p:grpSpPr>
-          <a:xfrm>
-            <a:off x="789380" y="3080150"/>
-            <a:ext cx="594173" cy="400110"/>
-            <a:chOff x="5407983" y="3028890"/>
-            <a:chExt cx="594173" cy="400110"/>
-          </a:xfrm>
-        </p:grpSpPr>
-        <p:sp>
-          <p:nvSpPr>
-            <p:cNvPr id="281" name="Retângulo 280">
-              <a:extLst>
-                <a:ext uri="{FF2B5EF4-FFF2-40B4-BE49-F238E27FC236}">
-                  <a16:creationId xmlns:a16="http://schemas.microsoft.com/office/drawing/2014/main" id="{A083B0FB-622B-4F94-91C8-A58638A30C99}"/>
-                </a:ext>
-              </a:extLst>
-            </p:cNvPr>
-            <p:cNvSpPr/>
-            <p:nvPr/>
-          </p:nvSpPr>
-          <p:spPr>
-            <a:xfrm>
-              <a:off x="5442040" y="3028890"/>
-              <a:ext cx="530225" cy="400110"/>
-            </a:xfrm>
-            <a:prstGeom prst="rect">
-              <a:avLst/>
-            </a:prstGeom>
-            <a:noFill/>
-            <a:ln w="9525" cap="flat" cmpd="sng" algn="ctr">
-              <a:solidFill>
-                <a:schemeClr val="dk1"/>
-              </a:solidFill>
-              <a:prstDash val="solid"/>
-              <a:round/>
-              <a:headEnd type="none" w="med" len="med"/>
-              <a:tailEnd type="none" w="med" len="med"/>
-            </a:ln>
-          </p:spPr>
-          <p:style>
-            <a:lnRef idx="0">
-              <a:scrgbClr r="0" g="0" b="0"/>
-            </a:lnRef>
-            <a:fillRef idx="0">
-              <a:scrgbClr r="0" g="0" b="0"/>
-            </a:fillRef>
-            <a:effectRef idx="0">
-              <a:scrgbClr r="0" g="0" b="0"/>
-            </a:effectRef>
-            <a:fontRef idx="minor">
-              <a:schemeClr val="dk1"/>
-            </a:fontRef>
-          </p:style>
-          <p:txBody>
-            <a:bodyPr rtlCol="0" anchor="ctr"/>
-            <a:lstStyle/>
-            <a:p>
-              <a:pPr algn="ctr"/>
-              <a:endParaRPr lang="pt-BR"/>
-            </a:p>
-          </p:txBody>
-        </p:sp>
-        <p:sp>
-          <p:nvSpPr>
-            <p:cNvPr id="282" name="CaixaDeTexto 281">
-              <a:extLst>
-                <a:ext uri="{FF2B5EF4-FFF2-40B4-BE49-F238E27FC236}">
-                  <a16:creationId xmlns:a16="http://schemas.microsoft.com/office/drawing/2014/main" id="{7F6DE235-64EC-4A8C-A9E2-73866457274C}"/>
-                </a:ext>
-              </a:extLst>
-            </p:cNvPr>
-            <p:cNvSpPr txBox="1"/>
-            <p:nvPr/>
-          </p:nvSpPr>
-          <p:spPr>
-            <a:xfrm>
-              <a:off x="5407983" y="3028890"/>
-              <a:ext cx="594173" cy="400110"/>
-            </a:xfrm>
-            <a:prstGeom prst="rect">
-              <a:avLst/>
-            </a:prstGeom>
-            <a:noFill/>
-            <a:ln>
-              <a:noFill/>
-            </a:ln>
-          </p:spPr>
-          <p:txBody>
-            <a:bodyPr wrap="square" rtlCol="0">
-              <a:spAutoFit/>
-            </a:bodyPr>
-            <a:lstStyle/>
-            <a:p>
-              <a:pPr algn="ctr"/>
-              <a:r>
-                <a:rPr lang="pt-BR" sz="1000" dirty="0"/>
-                <a:t>Módulo</a:t>
-              </a:r>
-            </a:p>
-            <a:p>
-              <a:pPr algn="ctr"/>
-              <a:r>
-                <a:rPr lang="pt-BR" sz="1000" dirty="0"/>
-                <a:t>LM393</a:t>
-              </a:r>
-            </a:p>
-          </p:txBody>
-        </p:sp>
-      </p:grpSp>
-      <p:cxnSp>
-        <p:nvCxnSpPr>
-          <p:cNvPr id="301" name="Conector reto 134">
-            <a:extLst>
-              <a:ext uri="{FF2B5EF4-FFF2-40B4-BE49-F238E27FC236}">
-                <a16:creationId xmlns:a16="http://schemas.microsoft.com/office/drawing/2014/main" id="{BC653445-389D-4572-BBD0-B4FFA0962364}"/>
-              </a:ext>
-            </a:extLst>
-          </p:cNvPr>
-          <p:cNvCxnSpPr>
-            <a:cxnSpLocks/>
-            <a:stCxn id="264" idx="2"/>
-            <a:endCxn id="181" idx="0"/>
-          </p:cNvCxnSpPr>
-          <p:nvPr/>
-        </p:nvCxnSpPr>
-        <p:spPr>
-          <a:xfrm rot="16200000" flipH="1">
-            <a:off x="2461056" y="1348178"/>
-            <a:ext cx="1049669" cy="2414274"/>
-          </a:xfrm>
-          <a:prstGeom prst="bentConnector3">
-            <a:avLst>
-              <a:gd name="adj1" fmla="val 50000"/>
-            </a:avLst>
-          </a:prstGeom>
-          <a:ln>
-            <a:headEnd type="triangle"/>
-          </a:ln>
-        </p:spPr>
-        <p:style>
-          <a:lnRef idx="2">
-            <a:schemeClr val="accent5"/>
-          </a:lnRef>
-          <a:fillRef idx="0">
-            <a:schemeClr val="accent5"/>
-          </a:fillRef>
-          <a:effectRef idx="1">
-            <a:schemeClr val="accent5"/>
-          </a:effectRef>
-          <a:fontRef idx="minor">
-            <a:schemeClr val="tx1"/>
-          </a:fontRef>
-        </p:style>
-      </p:cxnSp>
-      <p:cxnSp>
-        <p:nvCxnSpPr>
-          <p:cNvPr id="305" name="Conector reto 134">
-            <a:extLst>
-              <a:ext uri="{FF2B5EF4-FFF2-40B4-BE49-F238E27FC236}">
-                <a16:creationId xmlns:a16="http://schemas.microsoft.com/office/drawing/2014/main" id="{24768F8E-4E43-42FF-8AA7-3277B0BEC132}"/>
-              </a:ext>
-            </a:extLst>
-          </p:cNvPr>
-          <p:cNvCxnSpPr>
-            <a:cxnSpLocks/>
-            <a:stCxn id="264" idx="2"/>
-            <a:endCxn id="194" idx="0"/>
-          </p:cNvCxnSpPr>
-          <p:nvPr/>
-        </p:nvCxnSpPr>
-        <p:spPr>
-          <a:xfrm rot="16200000" flipH="1">
-            <a:off x="2771712" y="1037522"/>
-            <a:ext cx="1049669" cy="3035586"/>
-          </a:xfrm>
-          <a:prstGeom prst="bentConnector3">
-            <a:avLst>
-              <a:gd name="adj1" fmla="val 50000"/>
-            </a:avLst>
-          </a:prstGeom>
-          <a:ln>
-            <a:headEnd type="triangle"/>
-          </a:ln>
-        </p:spPr>
-        <p:style>
-          <a:lnRef idx="2">
-            <a:schemeClr val="accent5"/>
-          </a:lnRef>
-          <a:fillRef idx="0">
-            <a:schemeClr val="accent5"/>
-          </a:fillRef>
-          <a:effectRef idx="1">
-            <a:schemeClr val="accent5"/>
-          </a:effectRef>
-          <a:fontRef idx="minor">
-            <a:schemeClr val="tx1"/>
-          </a:fontRef>
-        </p:style>
-      </p:cxnSp>
-      <p:cxnSp>
-        <p:nvCxnSpPr>
-          <p:cNvPr id="309" name="Conector reto 134">
-            <a:extLst>
-              <a:ext uri="{FF2B5EF4-FFF2-40B4-BE49-F238E27FC236}">
-                <a16:creationId xmlns:a16="http://schemas.microsoft.com/office/drawing/2014/main" id="{CFAE4C27-7A4D-41E0-AA4A-38DD39A689BF}"/>
-              </a:ext>
-            </a:extLst>
-          </p:cNvPr>
-          <p:cNvCxnSpPr>
-            <a:cxnSpLocks/>
-            <a:stCxn id="264" idx="2"/>
-            <a:endCxn id="191" idx="0"/>
-          </p:cNvCxnSpPr>
-          <p:nvPr/>
-        </p:nvCxnSpPr>
-        <p:spPr>
-          <a:xfrm rot="16200000" flipH="1">
-            <a:off x="3082369" y="726864"/>
-            <a:ext cx="1049669" cy="3656901"/>
-          </a:xfrm>
-          <a:prstGeom prst="bentConnector3">
-            <a:avLst>
-              <a:gd name="adj1" fmla="val 49547"/>
-            </a:avLst>
-          </a:prstGeom>
-          <a:ln>
-            <a:headEnd type="triangle"/>
-          </a:ln>
-        </p:spPr>
-        <p:style>
-          <a:lnRef idx="2">
-            <a:schemeClr val="accent5"/>
-          </a:lnRef>
-          <a:fillRef idx="0">
-            <a:schemeClr val="accent5"/>
-          </a:fillRef>
-          <a:effectRef idx="1">
-            <a:schemeClr val="accent5"/>
-          </a:effectRef>
-          <a:fontRef idx="minor">
-            <a:schemeClr val="tx1"/>
-          </a:fontRef>
-        </p:style>
-      </p:cxnSp>
-      <p:cxnSp>
-        <p:nvCxnSpPr>
-          <p:cNvPr id="313" name="Conector reto 134">
-            <a:extLst>
-              <a:ext uri="{FF2B5EF4-FFF2-40B4-BE49-F238E27FC236}">
-                <a16:creationId xmlns:a16="http://schemas.microsoft.com/office/drawing/2014/main" id="{30168177-076B-4FE5-991A-D794F863AB26}"/>
-              </a:ext>
-            </a:extLst>
-          </p:cNvPr>
-          <p:cNvCxnSpPr>
-            <a:cxnSpLocks/>
-            <a:stCxn id="315" idx="0"/>
-            <a:endCxn id="265" idx="2"/>
-          </p:cNvCxnSpPr>
-          <p:nvPr/>
-        </p:nvCxnSpPr>
-        <p:spPr>
-          <a:xfrm rot="5400000" flipH="1" flipV="1">
-            <a:off x="2122372" y="1489969"/>
-            <a:ext cx="1032082" cy="2099566"/>
-          </a:xfrm>
-          <a:prstGeom prst="bentConnector3">
-            <a:avLst>
-              <a:gd name="adj1" fmla="val 73534"/>
-            </a:avLst>
-          </a:prstGeom>
-          <a:ln>
-            <a:headEnd type="triangle"/>
-          </a:ln>
-        </p:spPr>
-        <p:style>
-          <a:lnRef idx="2">
-            <a:schemeClr val="accent2"/>
-          </a:lnRef>
-          <a:fillRef idx="0">
-            <a:schemeClr val="accent2"/>
-          </a:fillRef>
-          <a:effectRef idx="1">
-            <a:schemeClr val="accent2"/>
-          </a:effectRef>
-          <a:fontRef idx="minor">
-            <a:schemeClr val="tx1"/>
-          </a:fontRef>
-        </p:style>
-      </p:cxnSp>
-      <p:sp>
-        <p:nvSpPr>
-          <p:cNvPr id="315" name="CaixaDeTexto 314">
-            <a:extLst>
-              <a:ext uri="{FF2B5EF4-FFF2-40B4-BE49-F238E27FC236}">
-                <a16:creationId xmlns:a16="http://schemas.microsoft.com/office/drawing/2014/main" id="{268ADAB8-204F-4E49-AD73-6C06D787738D}"/>
-              </a:ext>
-            </a:extLst>
-          </p:cNvPr>
-          <p:cNvSpPr txBox="1"/>
-          <p:nvPr/>
-        </p:nvSpPr>
-        <p:spPr>
-          <a:xfrm>
-            <a:off x="1498207" y="3055793"/>
-            <a:ext cx="180845" cy="72000"/>
-          </a:xfrm>
-          <a:prstGeom prst="rect">
-            <a:avLst/>
-          </a:prstGeom>
-          <a:noFill/>
-          <a:ln>
-            <a:noFill/>
-          </a:ln>
-        </p:spPr>
-        <p:txBody>
-          <a:bodyPr wrap="square" rtlCol="0" anchor="ctr" anchorCtr="0">
-            <a:spAutoFit/>
-          </a:bodyPr>
-          <a:lstStyle/>
-          <a:p>
-            <a:pPr algn="ctr"/>
-            <a:r>
-              <a:rPr lang="pt-BR" sz="600" dirty="0"/>
-              <a:t>A</a:t>
-            </a:r>
-          </a:p>
-        </p:txBody>
-      </p:sp>
-      <p:sp>
-        <p:nvSpPr>
-          <p:cNvPr id="316" name="CaixaDeTexto 315">
-            <a:extLst>
-              <a:ext uri="{FF2B5EF4-FFF2-40B4-BE49-F238E27FC236}">
-                <a16:creationId xmlns:a16="http://schemas.microsoft.com/office/drawing/2014/main" id="{72E0D125-1384-4BC1-971C-187A6266E68D}"/>
-              </a:ext>
-            </a:extLst>
-          </p:cNvPr>
-          <p:cNvSpPr txBox="1"/>
-          <p:nvPr/>
-        </p:nvSpPr>
-        <p:spPr>
-          <a:xfrm>
-            <a:off x="1733541" y="3055793"/>
-            <a:ext cx="180845" cy="72000"/>
-          </a:xfrm>
-          <a:prstGeom prst="rect">
-            <a:avLst/>
-          </a:prstGeom>
-          <a:noFill/>
-          <a:ln>
-            <a:noFill/>
-          </a:ln>
-        </p:spPr>
-        <p:txBody>
-          <a:bodyPr wrap="square" rtlCol="0" anchor="ctr" anchorCtr="0">
-            <a:spAutoFit/>
-          </a:bodyPr>
-          <a:lstStyle/>
-          <a:p>
-            <a:pPr algn="ctr"/>
-            <a:r>
-              <a:rPr lang="pt-BR" sz="600" dirty="0"/>
-              <a:t>B</a:t>
-            </a:r>
-          </a:p>
-        </p:txBody>
-      </p:sp>
       <p:sp>
         <p:nvSpPr>
           <p:cNvPr id="317" name="CaixaDeTexto 316">
@@ -15682,51 +14256,6 @@
       </p:sp>
       <p:cxnSp>
         <p:nvCxnSpPr>
-          <p:cNvPr id="322" name="Conector reto 134">
-            <a:extLst>
-              <a:ext uri="{FF2B5EF4-FFF2-40B4-BE49-F238E27FC236}">
-                <a16:creationId xmlns:a16="http://schemas.microsoft.com/office/drawing/2014/main" id="{604F9822-1F97-405D-BF5F-94DD7187AA7E}"/>
-              </a:ext>
-            </a:extLst>
-          </p:cNvPr>
-          <p:cNvCxnSpPr>
-            <a:cxnSpLocks/>
-            <a:stCxn id="316" idx="0"/>
-            <a:endCxn id="265" idx="2"/>
-          </p:cNvCxnSpPr>
-          <p:nvPr/>
-        </p:nvCxnSpPr>
-        <p:spPr>
-          <a:xfrm rot="5400000" flipH="1" flipV="1">
-            <a:off x="2240039" y="1607636"/>
-            <a:ext cx="1032082" cy="1864232"/>
-          </a:xfrm>
-          <a:prstGeom prst="bentConnector3">
-            <a:avLst>
-              <a:gd name="adj1" fmla="val 73534"/>
-            </a:avLst>
-          </a:prstGeom>
-          <a:ln>
-            <a:headEnd type="triangle"/>
-          </a:ln>
-        </p:spPr>
-        <p:style>
-          <a:lnRef idx="2">
-            <a:schemeClr val="accent2"/>
-          </a:lnRef>
-          <a:fillRef idx="0">
-            <a:schemeClr val="accent2"/>
-          </a:fillRef>
-          <a:effectRef idx="1">
-            <a:schemeClr val="accent2"/>
-          </a:effectRef>
-          <a:fontRef idx="minor">
-            <a:schemeClr val="tx1"/>
-          </a:fontRef>
-        </p:style>
-      </p:cxnSp>
-      <p:cxnSp>
-        <p:nvCxnSpPr>
           <p:cNvPr id="326" name="Conector reto 134">
             <a:extLst>
               <a:ext uri="{FF2B5EF4-FFF2-40B4-BE49-F238E27FC236}">
@@ -15743,12 +14272,12 @@
         </p:nvCxnSpPr>
         <p:spPr>
           <a:xfrm rot="5400000" flipH="1" flipV="1">
-            <a:off x="3048941" y="2418852"/>
-            <a:ext cx="1034396" cy="244114"/>
+            <a:off x="3245904" y="2740919"/>
+            <a:ext cx="515367" cy="119011"/>
           </a:xfrm>
           <a:prstGeom prst="bentConnector3">
             <a:avLst>
-              <a:gd name="adj1" fmla="val 73481"/>
+              <a:gd name="adj1" fmla="val 50000"/>
             </a:avLst>
           </a:prstGeom>
           <a:ln>
@@ -15819,7 +14348,7 @@
         </p:blipFill>
         <p:spPr bwMode="auto">
           <a:xfrm>
-            <a:off x="4768712" y="1246089"/>
+            <a:off x="5651362" y="1774742"/>
             <a:ext cx="633107" cy="565783"/>
           </a:xfrm>
           <a:prstGeom prst="rect">
@@ -15847,7 +14376,7 @@
         </p:nvCxnSpPr>
         <p:spPr>
           <a:xfrm>
-            <a:off x="3936463" y="1528980"/>
+            <a:off x="4819113" y="2057633"/>
             <a:ext cx="821076" cy="1"/>
           </a:xfrm>
           <a:prstGeom prst="straightConnector1">
@@ -15887,7 +14416,7 @@
         </p:nvSpPr>
         <p:spPr>
           <a:xfrm>
-            <a:off x="4637590" y="1750571"/>
+            <a:off x="5520240" y="2279224"/>
             <a:ext cx="895350" cy="246221"/>
           </a:xfrm>
           <a:prstGeom prst="rect">
@@ -15923,7 +14452,7 @@
         </p:nvSpPr>
         <p:spPr>
           <a:xfrm>
-            <a:off x="4023661" y="1345957"/>
+            <a:off x="4906311" y="1874610"/>
             <a:ext cx="646680" cy="215444"/>
           </a:xfrm>
           <a:prstGeom prst="rect">
@@ -15945,6 +14474,208 @@
           </a:p>
         </p:txBody>
       </p:sp>
+      <p:sp>
+        <p:nvSpPr>
+          <p:cNvPr id="111" name="CaixaDeTexto 110">
+            <a:extLst>
+              <a:ext uri="{FF2B5EF4-FFF2-40B4-BE49-F238E27FC236}">
+                <a16:creationId xmlns:a16="http://schemas.microsoft.com/office/drawing/2014/main" id="{87F6677D-1CE9-451F-AEBE-EC6B6ECAC10F}"/>
+              </a:ext>
+            </a:extLst>
+          </p:cNvPr>
+          <p:cNvSpPr txBox="1"/>
+          <p:nvPr/>
+        </p:nvSpPr>
+        <p:spPr>
+          <a:xfrm>
+            <a:off x="4088719" y="2182740"/>
+            <a:ext cx="741567" cy="360000"/>
+          </a:xfrm>
+          <a:prstGeom prst="rect">
+            <a:avLst/>
+          </a:prstGeom>
+          <a:noFill/>
+        </p:spPr>
+        <p:txBody>
+          <a:bodyPr wrap="square" rtlCol="0">
+            <a:spAutoFit/>
+          </a:bodyPr>
+          <a:lstStyle/>
+          <a:p>
+            <a:pPr algn="ctr"/>
+            <a:r>
+              <a:rPr lang="pt-BR" sz="1000" dirty="0"/>
+              <a:t>Interface I2C</a:t>
+            </a:r>
+          </a:p>
+        </p:txBody>
+      </p:sp>
+      <p:cxnSp>
+        <p:nvCxnSpPr>
+          <p:cNvPr id="117" name="Conector reto 134">
+            <a:extLst>
+              <a:ext uri="{FF2B5EF4-FFF2-40B4-BE49-F238E27FC236}">
+                <a16:creationId xmlns:a16="http://schemas.microsoft.com/office/drawing/2014/main" id="{CA2FB26E-1161-4043-A9B2-FE7B95CF5C04}"/>
+              </a:ext>
+            </a:extLst>
+          </p:cNvPr>
+          <p:cNvCxnSpPr>
+            <a:cxnSpLocks/>
+            <a:stCxn id="111" idx="2"/>
+            <a:endCxn id="180" idx="0"/>
+          </p:cNvCxnSpPr>
+          <p:nvPr/>
+        </p:nvCxnSpPr>
+        <p:spPr>
+          <a:xfrm rot="5400000">
+            <a:off x="4058602" y="2679249"/>
+            <a:ext cx="537410" cy="264393"/>
+          </a:xfrm>
+          <a:prstGeom prst="bentConnector3">
+            <a:avLst>
+              <a:gd name="adj1" fmla="val 50000"/>
+            </a:avLst>
+          </a:prstGeom>
+          <a:ln>
+            <a:headEnd type="triangle"/>
+          </a:ln>
+        </p:spPr>
+        <p:style>
+          <a:lnRef idx="2">
+            <a:schemeClr val="accent6"/>
+          </a:lnRef>
+          <a:fillRef idx="0">
+            <a:schemeClr val="accent6"/>
+          </a:fillRef>
+          <a:effectRef idx="1">
+            <a:schemeClr val="accent6"/>
+          </a:effectRef>
+          <a:fontRef idx="minor">
+            <a:schemeClr val="tx1"/>
+          </a:fontRef>
+        </p:style>
+      </p:cxnSp>
+      <p:cxnSp>
+        <p:nvCxnSpPr>
+          <p:cNvPr id="121" name="Conector reto 134">
+            <a:extLst>
+              <a:ext uri="{FF2B5EF4-FFF2-40B4-BE49-F238E27FC236}">
+                <a16:creationId xmlns:a16="http://schemas.microsoft.com/office/drawing/2014/main" id="{89BDCF45-183B-4E4D-9529-5E7865BDA249}"/>
+              </a:ext>
+            </a:extLst>
+          </p:cNvPr>
+          <p:cNvCxnSpPr>
+            <a:cxnSpLocks/>
+          </p:cNvCxnSpPr>
+          <p:nvPr/>
+        </p:nvCxnSpPr>
+        <p:spPr>
+          <a:xfrm>
+            <a:off x="4682942" y="4130754"/>
+            <a:ext cx="1644" cy="615169"/>
+          </a:xfrm>
+          <a:prstGeom prst="straightConnector1">
+            <a:avLst/>
+          </a:prstGeom>
+          <a:ln>
+            <a:solidFill>
+              <a:srgbClr val="FF0000"/>
+            </a:solidFill>
+            <a:tailEnd type="triangle"/>
+          </a:ln>
+        </p:spPr>
+        <p:style>
+          <a:lnRef idx="2">
+            <a:schemeClr val="accent2"/>
+          </a:lnRef>
+          <a:fillRef idx="0">
+            <a:schemeClr val="accent2"/>
+          </a:fillRef>
+          <a:effectRef idx="1">
+            <a:schemeClr val="accent2"/>
+          </a:effectRef>
+          <a:fontRef idx="minor">
+            <a:schemeClr val="tx1"/>
+          </a:fontRef>
+        </p:style>
+      </p:cxnSp>
+      <p:sp>
+        <p:nvSpPr>
+          <p:cNvPr id="124" name="CaixaDeTexto 123">
+            <a:extLst>
+              <a:ext uri="{FF2B5EF4-FFF2-40B4-BE49-F238E27FC236}">
+                <a16:creationId xmlns:a16="http://schemas.microsoft.com/office/drawing/2014/main" id="{32124902-116F-4582-8DA4-C10F299629AA}"/>
+              </a:ext>
+            </a:extLst>
+          </p:cNvPr>
+          <p:cNvSpPr txBox="1"/>
+          <p:nvPr/>
+        </p:nvSpPr>
+        <p:spPr>
+          <a:xfrm>
+            <a:off x="4228253" y="3942247"/>
+            <a:ext cx="895350" cy="246221"/>
+          </a:xfrm>
+          <a:prstGeom prst="rect">
+            <a:avLst/>
+          </a:prstGeom>
+          <a:noFill/>
+        </p:spPr>
+        <p:txBody>
+          <a:bodyPr wrap="square" rtlCol="0">
+            <a:spAutoFit/>
+          </a:bodyPr>
+          <a:lstStyle/>
+          <a:p>
+            <a:pPr algn="ctr"/>
+            <a:r>
+              <a:rPr lang="pt-BR" sz="1000" dirty="0"/>
+              <a:t>+</a:t>
+            </a:r>
+            <a:r>
+              <a:rPr lang="pt-BR" sz="1000" dirty="0" err="1"/>
+              <a:t>Vcc</a:t>
+            </a:r>
+            <a:endParaRPr lang="pt-BR" sz="1000" dirty="0"/>
+          </a:p>
+        </p:txBody>
+      </p:sp>
+      <p:pic>
+        <p:nvPicPr>
+          <p:cNvPr id="41" name="Imagem 40">
+            <a:extLst>
+              <a:ext uri="{FF2B5EF4-FFF2-40B4-BE49-F238E27FC236}">
+                <a16:creationId xmlns:a16="http://schemas.microsoft.com/office/drawing/2014/main" id="{30D7E089-331D-4068-8377-AABAC94F2D14}"/>
+              </a:ext>
+            </a:extLst>
+          </p:cNvPr>
+          <p:cNvPicPr>
+            <a:picLocks noChangeAspect="1"/>
+          </p:cNvPicPr>
+          <p:nvPr/>
+        </p:nvPicPr>
+        <p:blipFill>
+          <a:blip r:embed="rId5">
+            <a:extLst>
+              <a:ext uri="{28A0092B-C50C-407E-A947-70E740481C1C}">
+                <a14:useLocalDpi xmlns:a14="http://schemas.microsoft.com/office/drawing/2010/main" val="0"/>
+              </a:ext>
+            </a:extLst>
+          </a:blip>
+          <a:stretch>
+            <a:fillRect/>
+          </a:stretch>
+        </p:blipFill>
+        <p:spPr>
+          <a:xfrm>
+            <a:off x="5892501" y="1916046"/>
+            <a:ext cx="141587" cy="141587"/>
+          </a:xfrm>
+          <a:prstGeom prst="rect">
+            <a:avLst/>
+          </a:prstGeom>
+        </p:spPr>
+      </p:pic>
     </p:spTree>
     <p:extLst>
       <p:ext uri="{BB962C8B-B14F-4D97-AF65-F5344CB8AC3E}">
@@ -16201,8 +14932,8 @@
           </a:fontRef>
         </p:style>
       </p:cxnSp>
-      <mc:AlternateContent xmlns:mc="http://schemas.openxmlformats.org/markup-compatibility/2006">
-        <mc:Choice xmlns:a14="http://schemas.microsoft.com/office/drawing/2010/main" Requires="a14">
+      <mc:AlternateContent xmlns:mc="http://schemas.openxmlformats.org/markup-compatibility/2006" xmlns:a14="http://schemas.microsoft.com/office/drawing/2010/main">
+        <mc:Choice Requires="a14">
           <p:sp>
             <p:nvSpPr>
               <p:cNvPr id="52" name="CaixaDeTexto 51">
@@ -16271,7 +15002,7 @@
             </p:txBody>
           </p:sp>
         </mc:Choice>
-        <mc:Fallback>
+        <mc:Fallback xmlns="">
           <p:sp>
             <p:nvSpPr>
               <p:cNvPr id="52" name="CaixaDeTexto 51">
@@ -16316,8 +15047,8 @@
           </p:sp>
         </mc:Fallback>
       </mc:AlternateContent>
-      <mc:AlternateContent xmlns:mc="http://schemas.openxmlformats.org/markup-compatibility/2006">
-        <mc:Choice xmlns:a14="http://schemas.microsoft.com/office/drawing/2010/main" Requires="a14">
+      <mc:AlternateContent xmlns:mc="http://schemas.openxmlformats.org/markup-compatibility/2006" xmlns:a14="http://schemas.microsoft.com/office/drawing/2010/main">
+        <mc:Choice Requires="a14">
           <p:sp>
             <p:nvSpPr>
               <p:cNvPr id="57" name="CaixaDeTexto 56">
@@ -16386,7 +15117,7 @@
             </p:txBody>
           </p:sp>
         </mc:Choice>
-        <mc:Fallback>
+        <mc:Fallback xmlns="">
           <p:sp>
             <p:nvSpPr>
               <p:cNvPr id="57" name="CaixaDeTexto 56">
@@ -16510,8 +15241,8 @@
           </a:fontRef>
         </p:style>
       </p:cxnSp>
-      <mc:AlternateContent xmlns:mc="http://schemas.openxmlformats.org/markup-compatibility/2006">
-        <mc:Choice xmlns:a14="http://schemas.microsoft.com/office/drawing/2010/main" Requires="a14">
+      <mc:AlternateContent xmlns:mc="http://schemas.openxmlformats.org/markup-compatibility/2006" xmlns:a14="http://schemas.microsoft.com/office/drawing/2010/main">
+        <mc:Choice Requires="a14">
           <p:sp>
             <p:nvSpPr>
               <p:cNvPr id="43" name="CaixaDeTexto 42">
@@ -16562,7 +15293,7 @@
             </p:txBody>
           </p:sp>
         </mc:Choice>
-        <mc:Fallback>
+        <mc:Fallback xmlns="">
           <p:sp>
             <p:nvSpPr>
               <p:cNvPr id="43" name="CaixaDeTexto 42">
@@ -16901,8 +15632,8 @@
             </a:p>
           </p:txBody>
         </p:sp>
-        <mc:AlternateContent xmlns:mc="http://schemas.openxmlformats.org/markup-compatibility/2006">
-          <mc:Choice xmlns:a14="http://schemas.microsoft.com/office/drawing/2010/main" Requires="a14">
+        <mc:AlternateContent xmlns:mc="http://schemas.openxmlformats.org/markup-compatibility/2006" xmlns:a14="http://schemas.microsoft.com/office/drawing/2010/main">
+          <mc:Choice Requires="a14">
             <p:sp>
               <p:nvSpPr>
                 <p:cNvPr id="23" name="CaixaDeTexto 22">
@@ -16971,7 +15702,7 @@
               </p:txBody>
             </p:sp>
           </mc:Choice>
-          <mc:Fallback>
+          <mc:Fallback xmlns="">
             <p:sp>
               <p:nvSpPr>
                 <p:cNvPr id="23" name="CaixaDeTexto 22">
@@ -17093,8 +15824,8 @@
             </a:p>
           </p:txBody>
         </p:sp>
-        <mc:AlternateContent xmlns:mc="http://schemas.openxmlformats.org/markup-compatibility/2006">
-          <mc:Choice xmlns:a14="http://schemas.microsoft.com/office/drawing/2010/main" Requires="a14">
+        <mc:AlternateContent xmlns:mc="http://schemas.openxmlformats.org/markup-compatibility/2006" xmlns:a14="http://schemas.microsoft.com/office/drawing/2010/main">
+          <mc:Choice Requires="a14">
             <p:sp>
               <p:nvSpPr>
                 <p:cNvPr id="37" name="CaixaDeTexto 36">
@@ -17164,7 +15895,7 @@
               </p:txBody>
             </p:sp>
           </mc:Choice>
-          <mc:Fallback>
+          <mc:Fallback xmlns="">
             <p:sp>
               <p:nvSpPr>
                 <p:cNvPr id="37" name="CaixaDeTexto 36">
@@ -17752,8 +16483,8 @@
           </a:p>
         </p:txBody>
       </p:sp>
-      <mc:AlternateContent xmlns:mc="http://schemas.openxmlformats.org/markup-compatibility/2006">
-        <mc:Choice xmlns:a14="http://schemas.microsoft.com/office/drawing/2010/main" Requires="a14">
+      <mc:AlternateContent xmlns:mc="http://schemas.openxmlformats.org/markup-compatibility/2006" xmlns:a14="http://schemas.microsoft.com/office/drawing/2010/main">
+        <mc:Choice Requires="a14">
           <p:sp>
             <p:nvSpPr>
               <p:cNvPr id="116" name="CaixaDeTexto 115">
@@ -17822,7 +16553,7 @@
             </p:txBody>
           </p:sp>
         </mc:Choice>
-        <mc:Fallback>
+        <mc:Fallback xmlns="">
           <p:sp>
             <p:nvSpPr>
               <p:cNvPr id="116" name="CaixaDeTexto 115">
@@ -18079,8 +16810,8 @@
             </a:p>
           </p:txBody>
         </p:sp>
-        <mc:AlternateContent xmlns:mc="http://schemas.openxmlformats.org/markup-compatibility/2006">
-          <mc:Choice xmlns:a14="http://schemas.microsoft.com/office/drawing/2010/main" Requires="a14">
+        <mc:AlternateContent xmlns:mc="http://schemas.openxmlformats.org/markup-compatibility/2006" xmlns:a14="http://schemas.microsoft.com/office/drawing/2010/main">
+          <mc:Choice Requires="a14">
             <p:sp>
               <p:nvSpPr>
                 <p:cNvPr id="128" name="CaixaDeTexto 127">
@@ -18149,7 +16880,7 @@
               </p:txBody>
             </p:sp>
           </mc:Choice>
-          <mc:Fallback>
+          <mc:Fallback xmlns="">
             <p:sp>
               <p:nvSpPr>
                 <p:cNvPr id="128" name="CaixaDeTexto 127">
@@ -18317,8 +17048,8 @@
             </a:p>
           </p:txBody>
         </p:sp>
-        <mc:AlternateContent xmlns:mc="http://schemas.openxmlformats.org/markup-compatibility/2006">
-          <mc:Choice xmlns:a14="http://schemas.microsoft.com/office/drawing/2010/main" Requires="a14">
+        <mc:AlternateContent xmlns:mc="http://schemas.openxmlformats.org/markup-compatibility/2006" xmlns:a14="http://schemas.microsoft.com/office/drawing/2010/main">
+          <mc:Choice Requires="a14">
             <p:sp>
               <p:nvSpPr>
                 <p:cNvPr id="148" name="CaixaDeTexto 147">
@@ -18407,7 +17138,7 @@
               </p:txBody>
             </p:sp>
           </mc:Choice>
-          <mc:Fallback>
+          <mc:Fallback xmlns="">
             <p:sp>
               <p:nvSpPr>
                 <p:cNvPr id="148" name="CaixaDeTexto 147">
@@ -18743,8 +17474,8 @@
           </a:p>
         </p:txBody>
       </p:sp>
-      <mc:AlternateContent xmlns:mc="http://schemas.openxmlformats.org/markup-compatibility/2006">
-        <mc:Choice xmlns:a14="http://schemas.microsoft.com/office/drawing/2010/main" Requires="a14">
+      <mc:AlternateContent xmlns:mc="http://schemas.openxmlformats.org/markup-compatibility/2006" xmlns:a14="http://schemas.microsoft.com/office/drawing/2010/main">
+        <mc:Choice Requires="a14">
           <p:sp>
             <p:nvSpPr>
               <p:cNvPr id="199" name="CaixaDeTexto 198">
@@ -18816,7 +17547,7 @@
             </p:txBody>
           </p:sp>
         </mc:Choice>
-        <mc:Fallback>
+        <mc:Fallback xmlns="">
           <p:sp>
             <p:nvSpPr>
               <p:cNvPr id="199" name="CaixaDeTexto 198">
@@ -18861,8 +17592,8 @@
           </p:sp>
         </mc:Fallback>
       </mc:AlternateContent>
-      <mc:AlternateContent xmlns:mc="http://schemas.openxmlformats.org/markup-compatibility/2006">
-        <mc:Choice xmlns:a14="http://schemas.microsoft.com/office/drawing/2010/main" Requires="a14">
+      <mc:AlternateContent xmlns:mc="http://schemas.openxmlformats.org/markup-compatibility/2006" xmlns:a14="http://schemas.microsoft.com/office/drawing/2010/main">
+        <mc:Choice Requires="a14">
           <p:sp>
             <p:nvSpPr>
               <p:cNvPr id="200" name="CaixaDeTexto 199">
@@ -18934,7 +17665,7 @@
             </p:txBody>
           </p:sp>
         </mc:Choice>
-        <mc:Fallback>
+        <mc:Fallback xmlns="">
           <p:sp>
             <p:nvSpPr>
               <p:cNvPr id="200" name="CaixaDeTexto 199">
@@ -19007,7 +17738,6 @@
           </a:bodyPr>
           <a:lstStyle/>
           <a:p>
-            <a:pPr/>
             <a:r>
               <a:rPr lang="pt-BR" sz="1000" dirty="0"/>
               <a:t>Sensor de Corrente</a:t>
@@ -19307,8 +18037,8 @@
           </a:fontRef>
         </p:style>
       </p:cxnSp>
-      <mc:AlternateContent xmlns:mc="http://schemas.openxmlformats.org/markup-compatibility/2006">
-        <mc:Choice xmlns:a14="http://schemas.microsoft.com/office/drawing/2010/main" Requires="a14">
+      <mc:AlternateContent xmlns:mc="http://schemas.openxmlformats.org/markup-compatibility/2006" xmlns:a14="http://schemas.microsoft.com/office/drawing/2010/main">
+        <mc:Choice Requires="a14">
           <p:sp>
             <p:nvSpPr>
               <p:cNvPr id="52" name="CaixaDeTexto 51">
@@ -19358,7 +18088,7 @@
             </p:txBody>
           </p:sp>
         </mc:Choice>
-        <mc:Fallback>
+        <mc:Fallback xmlns="">
           <p:sp>
             <p:nvSpPr>
               <p:cNvPr id="52" name="CaixaDeTexto 51">
@@ -19403,8 +18133,8 @@
           </p:sp>
         </mc:Fallback>
       </mc:AlternateContent>
-      <mc:AlternateContent xmlns:mc="http://schemas.openxmlformats.org/markup-compatibility/2006">
-        <mc:Choice xmlns:a14="http://schemas.microsoft.com/office/drawing/2010/main" Requires="a14">
+      <mc:AlternateContent xmlns:mc="http://schemas.openxmlformats.org/markup-compatibility/2006" xmlns:a14="http://schemas.microsoft.com/office/drawing/2010/main">
+        <mc:Choice Requires="a14">
           <p:sp>
             <p:nvSpPr>
               <p:cNvPr id="57" name="CaixaDeTexto 56">
@@ -19473,7 +18203,7 @@
             </p:txBody>
           </p:sp>
         </mc:Choice>
-        <mc:Fallback>
+        <mc:Fallback xmlns="">
           <p:sp>
             <p:nvSpPr>
               <p:cNvPr id="57" name="CaixaDeTexto 56">
@@ -19597,8 +18327,8 @@
           </a:fontRef>
         </p:style>
       </p:cxnSp>
-      <mc:AlternateContent xmlns:mc="http://schemas.openxmlformats.org/markup-compatibility/2006">
-        <mc:Choice xmlns:a14="http://schemas.microsoft.com/office/drawing/2010/main" Requires="a14">
+      <mc:AlternateContent xmlns:mc="http://schemas.openxmlformats.org/markup-compatibility/2006" xmlns:a14="http://schemas.microsoft.com/office/drawing/2010/main">
+        <mc:Choice Requires="a14">
           <p:sp>
             <p:nvSpPr>
               <p:cNvPr id="43" name="CaixaDeTexto 42">
@@ -19649,7 +18379,7 @@
             </p:txBody>
           </p:sp>
         </mc:Choice>
-        <mc:Fallback>
+        <mc:Fallback xmlns="">
           <p:sp>
             <p:nvSpPr>
               <p:cNvPr id="43" name="CaixaDeTexto 42">
@@ -19933,8 +18663,8 @@
             </a:p>
           </p:txBody>
         </p:sp>
-        <mc:AlternateContent xmlns:mc="http://schemas.openxmlformats.org/markup-compatibility/2006">
-          <mc:Choice xmlns:a14="http://schemas.microsoft.com/office/drawing/2010/main" Requires="a14">
+        <mc:AlternateContent xmlns:mc="http://schemas.openxmlformats.org/markup-compatibility/2006" xmlns:a14="http://schemas.microsoft.com/office/drawing/2010/main">
+          <mc:Choice Requires="a14">
             <p:sp>
               <p:nvSpPr>
                 <p:cNvPr id="23" name="CaixaDeTexto 22">
@@ -20003,7 +18733,7 @@
               </p:txBody>
             </p:sp>
           </mc:Choice>
-          <mc:Fallback>
+          <mc:Fallback xmlns="">
             <p:sp>
               <p:nvSpPr>
                 <p:cNvPr id="23" name="CaixaDeTexto 22">
@@ -20125,8 +18855,8 @@
             </a:p>
           </p:txBody>
         </p:sp>
-        <mc:AlternateContent xmlns:mc="http://schemas.openxmlformats.org/markup-compatibility/2006">
-          <mc:Choice xmlns:a14="http://schemas.microsoft.com/office/drawing/2010/main" Requires="a14">
+        <mc:AlternateContent xmlns:mc="http://schemas.openxmlformats.org/markup-compatibility/2006" xmlns:a14="http://schemas.microsoft.com/office/drawing/2010/main">
+          <mc:Choice Requires="a14">
             <p:sp>
               <p:nvSpPr>
                 <p:cNvPr id="37" name="CaixaDeTexto 36">
@@ -20196,7 +18926,7 @@
               </p:txBody>
             </p:sp>
           </mc:Choice>
-          <mc:Fallback>
+          <mc:Fallback xmlns="">
             <p:sp>
               <p:nvSpPr>
                 <p:cNvPr id="37" name="CaixaDeTexto 36">
@@ -20649,8 +19379,8 @@
           </a:p>
         </p:txBody>
       </p:sp>
-      <mc:AlternateContent xmlns:mc="http://schemas.openxmlformats.org/markup-compatibility/2006">
-        <mc:Choice xmlns:a14="http://schemas.microsoft.com/office/drawing/2010/main" Requires="a14">
+      <mc:AlternateContent xmlns:mc="http://schemas.openxmlformats.org/markup-compatibility/2006" xmlns:a14="http://schemas.microsoft.com/office/drawing/2010/main">
+        <mc:Choice Requires="a14">
           <p:sp>
             <p:nvSpPr>
               <p:cNvPr id="116" name="CaixaDeTexto 115">
@@ -20720,7 +19450,7 @@
             </p:txBody>
           </p:sp>
         </mc:Choice>
-        <mc:Fallback>
+        <mc:Fallback xmlns="">
           <p:sp>
             <p:nvSpPr>
               <p:cNvPr id="116" name="CaixaDeTexto 115">
@@ -20977,8 +19707,8 @@
             </a:p>
           </p:txBody>
         </p:sp>
-        <mc:AlternateContent xmlns:mc="http://schemas.openxmlformats.org/markup-compatibility/2006">
-          <mc:Choice xmlns:a14="http://schemas.microsoft.com/office/drawing/2010/main" Requires="a14">
+        <mc:AlternateContent xmlns:mc="http://schemas.openxmlformats.org/markup-compatibility/2006" xmlns:a14="http://schemas.microsoft.com/office/drawing/2010/main">
+          <mc:Choice Requires="a14">
             <p:sp>
               <p:nvSpPr>
                 <p:cNvPr id="128" name="CaixaDeTexto 127">
@@ -21047,7 +19777,7 @@
               </p:txBody>
             </p:sp>
           </mc:Choice>
-          <mc:Fallback>
+          <mc:Fallback xmlns="">
             <p:sp>
               <p:nvSpPr>
                 <p:cNvPr id="128" name="CaixaDeTexto 127">
@@ -21255,8 +19985,8 @@
           </a:p>
         </p:txBody>
       </p:sp>
-      <mc:AlternateContent xmlns:mc="http://schemas.openxmlformats.org/markup-compatibility/2006">
-        <mc:Choice xmlns:a14="http://schemas.microsoft.com/office/drawing/2010/main" Requires="a14">
+      <mc:AlternateContent xmlns:mc="http://schemas.openxmlformats.org/markup-compatibility/2006" xmlns:a14="http://schemas.microsoft.com/office/drawing/2010/main">
+        <mc:Choice Requires="a14">
           <p:sp>
             <p:nvSpPr>
               <p:cNvPr id="199" name="CaixaDeTexto 198">
@@ -21328,7 +20058,7 @@
             </p:txBody>
           </p:sp>
         </mc:Choice>
-        <mc:Fallback>
+        <mc:Fallback xmlns="">
           <p:sp>
             <p:nvSpPr>
               <p:cNvPr id="199" name="CaixaDeTexto 198">
@@ -21373,8 +20103,8 @@
           </p:sp>
         </mc:Fallback>
       </mc:AlternateContent>
-      <mc:AlternateContent xmlns:mc="http://schemas.openxmlformats.org/markup-compatibility/2006">
-        <mc:Choice xmlns:a14="http://schemas.microsoft.com/office/drawing/2010/main" Requires="a14">
+      <mc:AlternateContent xmlns:mc="http://schemas.openxmlformats.org/markup-compatibility/2006" xmlns:a14="http://schemas.microsoft.com/office/drawing/2010/main">
+        <mc:Choice Requires="a14">
           <p:sp>
             <p:nvSpPr>
               <p:cNvPr id="200" name="CaixaDeTexto 199">
@@ -21446,7 +20176,7 @@
             </p:txBody>
           </p:sp>
         </mc:Choice>
-        <mc:Fallback>
+        <mc:Fallback xmlns="">
           <p:sp>
             <p:nvSpPr>
               <p:cNvPr id="200" name="CaixaDeTexto 199">
@@ -21519,7 +20249,6 @@
           </a:bodyPr>
           <a:lstStyle/>
           <a:p>
-            <a:pPr/>
             <a:r>
               <a:rPr lang="pt-BR" sz="1000" dirty="0"/>
               <a:t>Sensor de Corrente</a:t>
@@ -21527,8 +20256,8 @@
           </a:p>
         </p:txBody>
       </p:sp>
-      <mc:AlternateContent xmlns:mc="http://schemas.openxmlformats.org/markup-compatibility/2006">
-        <mc:Choice xmlns:a14="http://schemas.microsoft.com/office/drawing/2010/main" Requires="a14">
+      <mc:AlternateContent xmlns:mc="http://schemas.openxmlformats.org/markup-compatibility/2006" xmlns:a14="http://schemas.microsoft.com/office/drawing/2010/main">
+        <mc:Choice Requires="a14">
           <p:sp>
             <p:nvSpPr>
               <p:cNvPr id="56" name="CaixaDeTexto 55">
@@ -21598,7 +20327,7 @@
             </p:txBody>
           </p:sp>
         </mc:Choice>
-        <mc:Fallback>
+        <mc:Fallback xmlns="">
           <p:sp>
             <p:nvSpPr>
               <p:cNvPr id="56" name="CaixaDeTexto 55">
@@ -21719,8 +20448,8 @@
             </a:p>
           </p:txBody>
         </p:sp>
-        <mc:AlternateContent xmlns:mc="http://schemas.openxmlformats.org/markup-compatibility/2006">
-          <mc:Choice xmlns:a14="http://schemas.microsoft.com/office/drawing/2010/main" Requires="a14">
+        <mc:AlternateContent xmlns:mc="http://schemas.openxmlformats.org/markup-compatibility/2006" xmlns:a14="http://schemas.microsoft.com/office/drawing/2010/main">
+          <mc:Choice Requires="a14">
             <p:sp>
               <p:nvSpPr>
                 <p:cNvPr id="64" name="CaixaDeTexto 63">
@@ -21809,7 +20538,7 @@
               </p:txBody>
             </p:sp>
           </mc:Choice>
-          <mc:Fallback>
+          <mc:Fallback xmlns="">
             <p:sp>
               <p:nvSpPr>
                 <p:cNvPr id="64" name="CaixaDeTexto 63">
@@ -21898,8 +20627,8 @@
           </a:fontRef>
         </p:style>
       </p:cxnSp>
-      <mc:AlternateContent xmlns:mc="http://schemas.openxmlformats.org/markup-compatibility/2006">
-        <mc:Choice xmlns:a14="http://schemas.microsoft.com/office/drawing/2010/main" Requires="a14">
+      <mc:AlternateContent xmlns:mc="http://schemas.openxmlformats.org/markup-compatibility/2006" xmlns:a14="http://schemas.microsoft.com/office/drawing/2010/main">
+        <mc:Choice Requires="a14">
           <p:sp>
             <p:nvSpPr>
               <p:cNvPr id="69" name="Fluxograma: Processo 68">
@@ -21985,7 +20714,7 @@
             </p:txBody>
           </p:sp>
         </mc:Choice>
-        <mc:Fallback>
+        <mc:Fallback xmlns="">
           <p:sp>
             <p:nvSpPr>
               <p:cNvPr id="69" name="Fluxograma: Processo 68">
@@ -22346,8 +21075,8 @@
           </a:fontRef>
         </p:style>
       </p:cxnSp>
-      <mc:AlternateContent xmlns:mc="http://schemas.openxmlformats.org/markup-compatibility/2006">
-        <mc:Choice xmlns:a14="http://schemas.microsoft.com/office/drawing/2010/main" Requires="a14">
+      <mc:AlternateContent xmlns:mc="http://schemas.openxmlformats.org/markup-compatibility/2006" xmlns:a14="http://schemas.microsoft.com/office/drawing/2010/main">
+        <mc:Choice Requires="a14">
           <p:sp>
             <p:nvSpPr>
               <p:cNvPr id="94" name="CaixaDeTexto 93">
@@ -22397,7 +21126,7 @@
             </p:txBody>
           </p:sp>
         </mc:Choice>
-        <mc:Fallback>
+        <mc:Fallback xmlns="">
           <p:sp>
             <p:nvSpPr>
               <p:cNvPr id="94" name="CaixaDeTexto 93">

--- a/i/Sistemas.pptx
+++ b/i/Sistemas.pptx
@@ -13,6 +13,8 @@
     <p:sldId id="261" r:id="rId7"/>
     <p:sldId id="262" r:id="rId8"/>
     <p:sldId id="263" r:id="rId9"/>
+    <p:sldId id="264" r:id="rId10"/>
+    <p:sldId id="265" r:id="rId11"/>
   </p:sldIdLst>
   <p:sldSz cx="12192000" cy="6858000"/>
   <p:notesSz cx="6858000" cy="9144000"/>
@@ -266,7 +268,7 @@
           <a:p>
             <a:fld id="{BD21E0E1-A2C5-48C6-9105-6CF53D1FF6D2}" type="datetimeFigureOut">
               <a:rPr lang="pt-BR" smtClean="0"/>
-              <a:t>31/10/2019</a:t>
+              <a:t>02/11/2019</a:t>
             </a:fld>
             <a:endParaRPr lang="pt-BR"/>
           </a:p>
@@ -464,7 +466,7 @@
           <a:p>
             <a:fld id="{BD21E0E1-A2C5-48C6-9105-6CF53D1FF6D2}" type="datetimeFigureOut">
               <a:rPr lang="pt-BR" smtClean="0"/>
-              <a:t>31/10/2019</a:t>
+              <a:t>02/11/2019</a:t>
             </a:fld>
             <a:endParaRPr lang="pt-BR"/>
           </a:p>
@@ -672,7 +674,7 @@
           <a:p>
             <a:fld id="{BD21E0E1-A2C5-48C6-9105-6CF53D1FF6D2}" type="datetimeFigureOut">
               <a:rPr lang="pt-BR" smtClean="0"/>
-              <a:t>31/10/2019</a:t>
+              <a:t>02/11/2019</a:t>
             </a:fld>
             <a:endParaRPr lang="pt-BR"/>
           </a:p>
@@ -870,7 +872,7 @@
           <a:p>
             <a:fld id="{BD21E0E1-A2C5-48C6-9105-6CF53D1FF6D2}" type="datetimeFigureOut">
               <a:rPr lang="pt-BR" smtClean="0"/>
-              <a:t>31/10/2019</a:t>
+              <a:t>02/11/2019</a:t>
             </a:fld>
             <a:endParaRPr lang="pt-BR"/>
           </a:p>
@@ -1145,7 +1147,7 @@
           <a:p>
             <a:fld id="{BD21E0E1-A2C5-48C6-9105-6CF53D1FF6D2}" type="datetimeFigureOut">
               <a:rPr lang="pt-BR" smtClean="0"/>
-              <a:t>31/10/2019</a:t>
+              <a:t>02/11/2019</a:t>
             </a:fld>
             <a:endParaRPr lang="pt-BR"/>
           </a:p>
@@ -1410,7 +1412,7 @@
           <a:p>
             <a:fld id="{BD21E0E1-A2C5-48C6-9105-6CF53D1FF6D2}" type="datetimeFigureOut">
               <a:rPr lang="pt-BR" smtClean="0"/>
-              <a:t>31/10/2019</a:t>
+              <a:t>02/11/2019</a:t>
             </a:fld>
             <a:endParaRPr lang="pt-BR"/>
           </a:p>
@@ -1822,7 +1824,7 @@
           <a:p>
             <a:fld id="{BD21E0E1-A2C5-48C6-9105-6CF53D1FF6D2}" type="datetimeFigureOut">
               <a:rPr lang="pt-BR" smtClean="0"/>
-              <a:t>31/10/2019</a:t>
+              <a:t>02/11/2019</a:t>
             </a:fld>
             <a:endParaRPr lang="pt-BR"/>
           </a:p>
@@ -1963,7 +1965,7 @@
           <a:p>
             <a:fld id="{BD21E0E1-A2C5-48C6-9105-6CF53D1FF6D2}" type="datetimeFigureOut">
               <a:rPr lang="pt-BR" smtClean="0"/>
-              <a:t>31/10/2019</a:t>
+              <a:t>02/11/2019</a:t>
             </a:fld>
             <a:endParaRPr lang="pt-BR"/>
           </a:p>
@@ -2076,7 +2078,7 @@
           <a:p>
             <a:fld id="{BD21E0E1-A2C5-48C6-9105-6CF53D1FF6D2}" type="datetimeFigureOut">
               <a:rPr lang="pt-BR" smtClean="0"/>
-              <a:t>31/10/2019</a:t>
+              <a:t>02/11/2019</a:t>
             </a:fld>
             <a:endParaRPr lang="pt-BR"/>
           </a:p>
@@ -2387,7 +2389,7 @@
           <a:p>
             <a:fld id="{BD21E0E1-A2C5-48C6-9105-6CF53D1FF6D2}" type="datetimeFigureOut">
               <a:rPr lang="pt-BR" smtClean="0"/>
-              <a:t>31/10/2019</a:t>
+              <a:t>02/11/2019</a:t>
             </a:fld>
             <a:endParaRPr lang="pt-BR"/>
           </a:p>
@@ -2675,7 +2677,7 @@
           <a:p>
             <a:fld id="{BD21E0E1-A2C5-48C6-9105-6CF53D1FF6D2}" type="datetimeFigureOut">
               <a:rPr lang="pt-BR" smtClean="0"/>
-              <a:t>31/10/2019</a:t>
+              <a:t>02/11/2019</a:t>
             </a:fld>
             <a:endParaRPr lang="pt-BR"/>
           </a:p>
@@ -2916,7 +2918,7 @@
           <a:p>
             <a:fld id="{BD21E0E1-A2C5-48C6-9105-6CF53D1FF6D2}" type="datetimeFigureOut">
               <a:rPr lang="pt-BR" smtClean="0"/>
-              <a:t>31/10/2019</a:t>
+              <a:t>02/11/2019</a:t>
             </a:fld>
             <a:endParaRPr lang="pt-BR"/>
           </a:p>
@@ -4225,6 +4227,751 @@
     <p:extLst>
       <p:ext uri="{BB962C8B-B14F-4D97-AF65-F5344CB8AC3E}">
         <p14:creationId xmlns:p14="http://schemas.microsoft.com/office/powerpoint/2010/main" val="289271284"/>
+      </p:ext>
+    </p:extLst>
+  </p:cSld>
+  <p:clrMapOvr>
+    <a:masterClrMapping/>
+  </p:clrMapOvr>
+</p:sld>
+</file>
+
+<file path=ppt/slides/slide10.xml><?xml version="1.0" encoding="utf-8"?>
+<p:sld xmlns:a="http://schemas.openxmlformats.org/drawingml/2006/main" xmlns:r="http://schemas.openxmlformats.org/officeDocument/2006/relationships" xmlns:p="http://schemas.openxmlformats.org/presentationml/2006/main">
+  <p:cSld>
+    <p:spTree>
+      <p:nvGrpSpPr>
+        <p:cNvPr id="1" name=""/>
+        <p:cNvGrpSpPr/>
+        <p:nvPr/>
+      </p:nvGrpSpPr>
+      <p:grpSpPr>
+        <a:xfrm>
+          <a:off x="0" y="0"/>
+          <a:ext cx="0" cy="0"/>
+          <a:chOff x="0" y="0"/>
+          <a:chExt cx="0" cy="0"/>
+        </a:xfrm>
+      </p:grpSpPr>
+      <p:sp>
+        <p:nvSpPr>
+          <p:cNvPr id="4" name="Fluxograma: Processo 3">
+            <a:extLst>
+              <a:ext uri="{FF2B5EF4-FFF2-40B4-BE49-F238E27FC236}">
+                <a16:creationId xmlns:a16="http://schemas.microsoft.com/office/drawing/2014/main" id="{9EBAE7F4-AEF4-470C-9DF9-BB7ED89DE7C1}"/>
+              </a:ext>
+            </a:extLst>
+          </p:cNvPr>
+          <p:cNvSpPr/>
+          <p:nvPr/>
+        </p:nvSpPr>
+        <p:spPr>
+          <a:xfrm>
+            <a:off x="4659254" y="2915882"/>
+            <a:ext cx="653616" cy="408552"/>
+          </a:xfrm>
+          <a:prstGeom prst="flowChartProcess">
+            <a:avLst/>
+          </a:prstGeom>
+        </p:spPr>
+        <p:style>
+          <a:lnRef idx="2">
+            <a:schemeClr val="dk1"/>
+          </a:lnRef>
+          <a:fillRef idx="1">
+            <a:schemeClr val="lt1"/>
+          </a:fillRef>
+          <a:effectRef idx="0">
+            <a:schemeClr val="dk1"/>
+          </a:effectRef>
+          <a:fontRef idx="minor">
+            <a:schemeClr val="dk1"/>
+          </a:fontRef>
+        </p:style>
+        <p:txBody>
+          <a:bodyPr rtlCol="0" anchor="ctr"/>
+          <a:lstStyle/>
+          <a:p>
+            <a:pPr algn="ctr"/>
+            <a:r>
+              <a:rPr lang="pt-BR" sz="1200" dirty="0"/>
+              <a:t>PID</a:t>
+            </a:r>
+          </a:p>
+          <a:p>
+            <a:pPr algn="ctr"/>
+            <a:r>
+              <a:rPr lang="pt-BR" sz="800" dirty="0"/>
+              <a:t>Tensão</a:t>
+            </a:r>
+            <a:endParaRPr lang="pt-BR" sz="1200" dirty="0"/>
+          </a:p>
+        </p:txBody>
+      </p:sp>
+      <p:cxnSp>
+        <p:nvCxnSpPr>
+          <p:cNvPr id="35" name="Conector de Seta Reta 34">
+            <a:extLst>
+              <a:ext uri="{FF2B5EF4-FFF2-40B4-BE49-F238E27FC236}">
+                <a16:creationId xmlns:a16="http://schemas.microsoft.com/office/drawing/2014/main" id="{5104C636-4EAB-41E8-B782-5E251991FAFD}"/>
+              </a:ext>
+            </a:extLst>
+          </p:cNvPr>
+          <p:cNvCxnSpPr>
+            <a:cxnSpLocks/>
+          </p:cNvCxnSpPr>
+          <p:nvPr/>
+        </p:nvCxnSpPr>
+        <p:spPr>
+          <a:xfrm>
+            <a:off x="6570779" y="3120158"/>
+            <a:ext cx="720000" cy="0"/>
+          </a:xfrm>
+          <a:prstGeom prst="straightConnector1">
+            <a:avLst/>
+          </a:prstGeom>
+          <a:ln>
+            <a:tailEnd type="triangle"/>
+          </a:ln>
+        </p:spPr>
+        <p:style>
+          <a:lnRef idx="1">
+            <a:schemeClr val="dk1"/>
+          </a:lnRef>
+          <a:fillRef idx="0">
+            <a:schemeClr val="dk1"/>
+          </a:fillRef>
+          <a:effectRef idx="0">
+            <a:schemeClr val="dk1"/>
+          </a:effectRef>
+          <a:fontRef idx="minor">
+            <a:schemeClr val="tx1"/>
+          </a:fontRef>
+        </p:style>
+      </p:cxnSp>
+      <mc:AlternateContent xmlns:mc="http://schemas.openxmlformats.org/markup-compatibility/2006">
+        <mc:Choice xmlns:a14="http://schemas.microsoft.com/office/drawing/2010/main" Requires="a14">
+          <p:sp>
+            <p:nvSpPr>
+              <p:cNvPr id="52" name="CaixaDeTexto 51">
+                <a:extLst>
+                  <a:ext uri="{FF2B5EF4-FFF2-40B4-BE49-F238E27FC236}">
+                    <a16:creationId xmlns:a16="http://schemas.microsoft.com/office/drawing/2014/main" id="{4B2D9259-EC1E-4816-B29D-3E604FCEC164}"/>
+                  </a:ext>
+                </a:extLst>
+              </p:cNvPr>
+              <p:cNvSpPr txBox="1"/>
+              <p:nvPr/>
+            </p:nvSpPr>
+            <p:spPr>
+              <a:xfrm>
+                <a:off x="6855832" y="2843105"/>
+                <a:ext cx="553758" cy="276999"/>
+              </a:xfrm>
+              <a:prstGeom prst="rect">
+                <a:avLst/>
+              </a:prstGeom>
+              <a:noFill/>
+            </p:spPr>
+            <p:txBody>
+              <a:bodyPr wrap="square" rtlCol="0">
+                <a:spAutoFit/>
+              </a:bodyPr>
+              <a:lstStyle/>
+              <a:p>
+                <a:pPr/>
+                <a14:m>
+                  <m:oMathPara xmlns:m="http://schemas.openxmlformats.org/officeDocument/2006/math">
+                    <m:oMathParaPr>
+                      <m:jc m:val="center"/>
+                    </m:oMathParaPr>
+                    <m:oMath xmlns:m="http://schemas.openxmlformats.org/officeDocument/2006/math">
+                      <m:sSub>
+                        <m:sSubPr>
+                          <m:ctrlPr>
+                            <a:rPr lang="pt-BR" sz="1200" b="0" i="1" smtClean="0">
+                              <a:latin typeface="Cambria Math" panose="02040503050406030204" pitchFamily="18" charset="0"/>
+                            </a:rPr>
+                          </m:ctrlPr>
+                        </m:sSubPr>
+                        <m:e>
+                          <m:r>
+                            <a:rPr lang="pt-BR" sz="1200" b="0" i="1" smtClean="0">
+                              <a:latin typeface="Cambria Math" panose="02040503050406030204" pitchFamily="18" charset="0"/>
+                            </a:rPr>
+                            <m:t>𝑇</m:t>
+                          </m:r>
+                        </m:e>
+                        <m:sub>
+                          <m:r>
+                            <a:rPr lang="pt-BR" sz="1200" b="0" i="1" smtClean="0">
+                              <a:latin typeface="Cambria Math" panose="02040503050406030204" pitchFamily="18" charset="0"/>
+                            </a:rPr>
+                            <m:t>𝑃𝑉</m:t>
+                          </m:r>
+                        </m:sub>
+                      </m:sSub>
+                    </m:oMath>
+                  </m:oMathPara>
+                </a14:m>
+                <a:endParaRPr lang="pt-BR" sz="1200" dirty="0"/>
+              </a:p>
+            </p:txBody>
+          </p:sp>
+        </mc:Choice>
+        <mc:Fallback>
+          <p:sp>
+            <p:nvSpPr>
+              <p:cNvPr id="52" name="CaixaDeTexto 51">
+                <a:extLst>
+                  <a:ext uri="{FF2B5EF4-FFF2-40B4-BE49-F238E27FC236}">
+                    <a16:creationId xmlns:a16="http://schemas.microsoft.com/office/drawing/2014/main" id="{4B2D9259-EC1E-4816-B29D-3E604FCEC164}"/>
+                  </a:ext>
+                </a:extLst>
+              </p:cNvPr>
+              <p:cNvSpPr txBox="1">
+                <a:spLocks noRot="1" noChangeAspect="1" noMove="1" noResize="1" noEditPoints="1" noAdjustHandles="1" noChangeArrowheads="1" noChangeShapeType="1" noTextEdit="1"/>
+              </p:cNvSpPr>
+              <p:nvPr/>
+            </p:nvSpPr>
+            <p:spPr>
+              <a:xfrm>
+                <a:off x="6855832" y="2843105"/>
+                <a:ext cx="553758" cy="276999"/>
+              </a:xfrm>
+              <a:prstGeom prst="rect">
+                <a:avLst/>
+              </a:prstGeom>
+              <a:blipFill>
+                <a:blip r:embed="rId2"/>
+                <a:stretch>
+                  <a:fillRect/>
+                </a:stretch>
+              </a:blipFill>
+            </p:spPr>
+            <p:txBody>
+              <a:bodyPr/>
+              <a:lstStyle/>
+              <a:p>
+                <a:r>
+                  <a:rPr lang="pt-BR">
+                    <a:noFill/>
+                  </a:rPr>
+                  <a:t> </a:t>
+                </a:r>
+              </a:p>
+            </p:txBody>
+          </p:sp>
+        </mc:Fallback>
+      </mc:AlternateContent>
+      <p:sp>
+        <p:nvSpPr>
+          <p:cNvPr id="21" name="Fluxograma: Processo 20">
+            <a:extLst>
+              <a:ext uri="{FF2B5EF4-FFF2-40B4-BE49-F238E27FC236}">
+                <a16:creationId xmlns:a16="http://schemas.microsoft.com/office/drawing/2014/main" id="{69613291-C3C8-4646-A9AD-758E82BDEF86}"/>
+              </a:ext>
+            </a:extLst>
+          </p:cNvPr>
+          <p:cNvSpPr/>
+          <p:nvPr/>
+        </p:nvSpPr>
+        <p:spPr>
+          <a:xfrm>
+            <a:off x="5621220" y="2779517"/>
+            <a:ext cx="949559" cy="649479"/>
+          </a:xfrm>
+          <a:prstGeom prst="flowChartProcess">
+            <a:avLst/>
+          </a:prstGeom>
+        </p:spPr>
+        <p:style>
+          <a:lnRef idx="2">
+            <a:schemeClr val="dk1"/>
+          </a:lnRef>
+          <a:fillRef idx="1">
+            <a:schemeClr val="lt1"/>
+          </a:fillRef>
+          <a:effectRef idx="0">
+            <a:schemeClr val="dk1"/>
+          </a:effectRef>
+          <a:fontRef idx="minor">
+            <a:schemeClr val="dk1"/>
+          </a:fontRef>
+        </p:style>
+        <p:txBody>
+          <a:bodyPr rtlCol="0" anchor="ctr"/>
+          <a:lstStyle/>
+          <a:p>
+            <a:pPr algn="ctr"/>
+            <a:r>
+              <a:rPr lang="pt-BR" sz="1100" dirty="0">
+                <a:ea typeface="Cambria Math" panose="02040503050406030204" pitchFamily="18" charset="0"/>
+              </a:rPr>
+              <a:t>Acumulador</a:t>
+            </a:r>
+          </a:p>
+        </p:txBody>
+      </p:sp>
+      <p:cxnSp>
+        <p:nvCxnSpPr>
+          <p:cNvPr id="48" name="Conector de Seta Reta 47">
+            <a:extLst>
+              <a:ext uri="{FF2B5EF4-FFF2-40B4-BE49-F238E27FC236}">
+                <a16:creationId xmlns:a16="http://schemas.microsoft.com/office/drawing/2014/main" id="{D30A914D-EFF4-4726-B63B-9BDA5E13EAB4}"/>
+              </a:ext>
+            </a:extLst>
+          </p:cNvPr>
+          <p:cNvCxnSpPr>
+            <a:cxnSpLocks/>
+          </p:cNvCxnSpPr>
+          <p:nvPr/>
+        </p:nvCxnSpPr>
+        <p:spPr>
+          <a:xfrm>
+            <a:off x="5312870" y="3120158"/>
+            <a:ext cx="308352" cy="0"/>
+          </a:xfrm>
+          <a:prstGeom prst="straightConnector1">
+            <a:avLst/>
+          </a:prstGeom>
+          <a:ln>
+            <a:tailEnd type="triangle"/>
+          </a:ln>
+        </p:spPr>
+        <p:style>
+          <a:lnRef idx="1">
+            <a:schemeClr val="dk1"/>
+          </a:lnRef>
+          <a:fillRef idx="0">
+            <a:schemeClr val="dk1"/>
+          </a:fillRef>
+          <a:effectRef idx="0">
+            <a:schemeClr val="dk1"/>
+          </a:effectRef>
+          <a:fontRef idx="minor">
+            <a:schemeClr val="tx1"/>
+          </a:fontRef>
+        </p:style>
+      </p:cxnSp>
+      <p:sp>
+        <p:nvSpPr>
+          <p:cNvPr id="65" name="Fluxograma: Conector 64">
+            <a:extLst>
+              <a:ext uri="{FF2B5EF4-FFF2-40B4-BE49-F238E27FC236}">
+                <a16:creationId xmlns:a16="http://schemas.microsoft.com/office/drawing/2014/main" id="{9208D957-A46A-4FE4-B7F8-4640379B73D8}"/>
+              </a:ext>
+            </a:extLst>
+          </p:cNvPr>
+          <p:cNvSpPr/>
+          <p:nvPr/>
+        </p:nvSpPr>
+        <p:spPr>
+          <a:xfrm>
+            <a:off x="3950850" y="2986808"/>
+            <a:ext cx="266700" cy="266700"/>
+          </a:xfrm>
+          <a:prstGeom prst="flowChartConnector">
+            <a:avLst/>
+          </a:prstGeom>
+        </p:spPr>
+        <p:style>
+          <a:lnRef idx="2">
+            <a:schemeClr val="dk1"/>
+          </a:lnRef>
+          <a:fillRef idx="1">
+            <a:schemeClr val="lt1"/>
+          </a:fillRef>
+          <a:effectRef idx="0">
+            <a:schemeClr val="dk1"/>
+          </a:effectRef>
+          <a:fontRef idx="minor">
+            <a:schemeClr val="dk1"/>
+          </a:fontRef>
+        </p:style>
+        <p:txBody>
+          <a:bodyPr rtlCol="0" anchor="ctr"/>
+          <a:lstStyle/>
+          <a:p>
+            <a:pPr algn="ctr"/>
+            <a:r>
+              <a:rPr lang="el-GR" sz="1050" b="1" dirty="0">
+                <a:latin typeface="Cambria Math" panose="02040503050406030204" pitchFamily="18" charset="0"/>
+                <a:ea typeface="Cambria Math" panose="02040503050406030204" pitchFamily="18" charset="0"/>
+              </a:rPr>
+              <a:t>Σ</a:t>
+            </a:r>
+            <a:endParaRPr lang="pt-BR" sz="1050" b="1" dirty="0">
+              <a:latin typeface="Cambria Math" panose="02040503050406030204" pitchFamily="18" charset="0"/>
+              <a:ea typeface="Cambria Math" panose="02040503050406030204" pitchFamily="18" charset="0"/>
+            </a:endParaRPr>
+          </a:p>
+        </p:txBody>
+      </p:sp>
+      <p:cxnSp>
+        <p:nvCxnSpPr>
+          <p:cNvPr id="110" name="Conector: Angulado 109">
+            <a:extLst>
+              <a:ext uri="{FF2B5EF4-FFF2-40B4-BE49-F238E27FC236}">
+                <a16:creationId xmlns:a16="http://schemas.microsoft.com/office/drawing/2014/main" id="{FA629322-5B89-4553-A18D-0A8F313CBDB7}"/>
+              </a:ext>
+            </a:extLst>
+          </p:cNvPr>
+          <p:cNvCxnSpPr>
+            <a:cxnSpLocks/>
+            <a:stCxn id="145" idx="4"/>
+            <a:endCxn id="65" idx="4"/>
+          </p:cNvCxnSpPr>
+          <p:nvPr/>
+        </p:nvCxnSpPr>
+        <p:spPr>
+          <a:xfrm rot="5400000">
+            <a:off x="5437850" y="1789369"/>
+            <a:ext cx="110490" cy="2817789"/>
+          </a:xfrm>
+          <a:prstGeom prst="bentConnector3">
+            <a:avLst>
+              <a:gd name="adj1" fmla="val 536782"/>
+            </a:avLst>
+          </a:prstGeom>
+          <a:ln>
+            <a:tailEnd type="triangle"/>
+          </a:ln>
+        </p:spPr>
+        <p:style>
+          <a:lnRef idx="1">
+            <a:schemeClr val="dk1"/>
+          </a:lnRef>
+          <a:fillRef idx="0">
+            <a:schemeClr val="dk1"/>
+          </a:fillRef>
+          <a:effectRef idx="0">
+            <a:schemeClr val="dk1"/>
+          </a:effectRef>
+          <a:fontRef idx="minor">
+            <a:schemeClr val="tx1"/>
+          </a:fontRef>
+        </p:style>
+      </p:cxnSp>
+      <p:sp>
+        <p:nvSpPr>
+          <p:cNvPr id="115" name="CaixaDeTexto 114">
+            <a:extLst>
+              <a:ext uri="{FF2B5EF4-FFF2-40B4-BE49-F238E27FC236}">
+                <a16:creationId xmlns:a16="http://schemas.microsoft.com/office/drawing/2014/main" id="{1A2B9167-8DB6-4743-A570-ECAE02716F5D}"/>
+              </a:ext>
+            </a:extLst>
+          </p:cNvPr>
+          <p:cNvSpPr txBox="1"/>
+          <p:nvPr/>
+        </p:nvSpPr>
+        <p:spPr>
+          <a:xfrm>
+            <a:off x="3887482" y="3169887"/>
+            <a:ext cx="266700" cy="276999"/>
+          </a:xfrm>
+          <a:prstGeom prst="rect">
+            <a:avLst/>
+          </a:prstGeom>
+          <a:noFill/>
+        </p:spPr>
+        <p:txBody>
+          <a:bodyPr wrap="square" rtlCol="0">
+            <a:spAutoFit/>
+          </a:bodyPr>
+          <a:lstStyle/>
+          <a:p>
+            <a:pPr algn="ctr"/>
+            <a:r>
+              <a:rPr lang="pt-BR" sz="1200" dirty="0"/>
+              <a:t>-</a:t>
+            </a:r>
+          </a:p>
+        </p:txBody>
+      </p:sp>
+      <mc:AlternateContent xmlns:mc="http://schemas.openxmlformats.org/markup-compatibility/2006">
+        <mc:Choice xmlns:a14="http://schemas.microsoft.com/office/drawing/2010/main" Requires="a14">
+          <p:sp>
+            <p:nvSpPr>
+              <p:cNvPr id="116" name="CaixaDeTexto 115">
+                <a:extLst>
+                  <a:ext uri="{FF2B5EF4-FFF2-40B4-BE49-F238E27FC236}">
+                    <a16:creationId xmlns:a16="http://schemas.microsoft.com/office/drawing/2014/main" id="{D43D7A3E-C647-4C5F-9233-9DFFA07E606D}"/>
+                  </a:ext>
+                </a:extLst>
+              </p:cNvPr>
+              <p:cNvSpPr txBox="1"/>
+              <p:nvPr/>
+            </p:nvSpPr>
+            <p:spPr>
+              <a:xfrm>
+                <a:off x="3118636" y="2849588"/>
+                <a:ext cx="553758" cy="276999"/>
+              </a:xfrm>
+              <a:prstGeom prst="rect">
+                <a:avLst/>
+              </a:prstGeom>
+              <a:noFill/>
+            </p:spPr>
+            <p:txBody>
+              <a:bodyPr wrap="square" rtlCol="0">
+                <a:spAutoFit/>
+              </a:bodyPr>
+              <a:lstStyle/>
+              <a:p>
+                <a:pPr/>
+                <a14:m>
+                  <m:oMathPara xmlns:m="http://schemas.openxmlformats.org/officeDocument/2006/math">
+                    <m:oMathParaPr>
+                      <m:jc m:val="center"/>
+                    </m:oMathParaPr>
+                    <m:oMath xmlns:m="http://schemas.openxmlformats.org/officeDocument/2006/math">
+                      <m:sSub>
+                        <m:sSubPr>
+                          <m:ctrlPr>
+                            <a:rPr lang="pt-BR" sz="1200" b="0" i="1" smtClean="0">
+                              <a:latin typeface="Cambria Math" panose="02040503050406030204" pitchFamily="18" charset="0"/>
+                            </a:rPr>
+                          </m:ctrlPr>
+                        </m:sSubPr>
+                        <m:e>
+                          <m:r>
+                            <a:rPr lang="pt-BR" sz="1200" b="0" i="1" smtClean="0">
+                              <a:latin typeface="Cambria Math" panose="02040503050406030204" pitchFamily="18" charset="0"/>
+                            </a:rPr>
+                            <m:t>𝑇</m:t>
+                          </m:r>
+                        </m:e>
+                        <m:sub>
+                          <m:r>
+                            <a:rPr lang="pt-BR" sz="1200" b="0" i="1" smtClean="0">
+                              <a:latin typeface="Cambria Math" panose="02040503050406030204" pitchFamily="18" charset="0"/>
+                            </a:rPr>
+                            <m:t>𝑆𝑃</m:t>
+                          </m:r>
+                        </m:sub>
+                      </m:sSub>
+                    </m:oMath>
+                  </m:oMathPara>
+                </a14:m>
+                <a:endParaRPr lang="pt-BR" sz="1200" dirty="0"/>
+              </a:p>
+            </p:txBody>
+          </p:sp>
+        </mc:Choice>
+        <mc:Fallback>
+          <p:sp>
+            <p:nvSpPr>
+              <p:cNvPr id="116" name="CaixaDeTexto 115">
+                <a:extLst>
+                  <a:ext uri="{FF2B5EF4-FFF2-40B4-BE49-F238E27FC236}">
+                    <a16:creationId xmlns:a16="http://schemas.microsoft.com/office/drawing/2014/main" id="{D43D7A3E-C647-4C5F-9233-9DFFA07E606D}"/>
+                  </a:ext>
+                </a:extLst>
+              </p:cNvPr>
+              <p:cNvSpPr txBox="1">
+                <a:spLocks noRot="1" noChangeAspect="1" noMove="1" noResize="1" noEditPoints="1" noAdjustHandles="1" noChangeArrowheads="1" noChangeShapeType="1" noTextEdit="1"/>
+              </p:cNvSpPr>
+              <p:nvPr/>
+            </p:nvSpPr>
+            <p:spPr>
+              <a:xfrm>
+                <a:off x="3118636" y="2849588"/>
+                <a:ext cx="553758" cy="276999"/>
+              </a:xfrm>
+              <a:prstGeom prst="rect">
+                <a:avLst/>
+              </a:prstGeom>
+              <a:blipFill>
+                <a:blip r:embed="rId3"/>
+                <a:stretch>
+                  <a:fillRect/>
+                </a:stretch>
+              </a:blipFill>
+            </p:spPr>
+            <p:txBody>
+              <a:bodyPr/>
+              <a:lstStyle/>
+              <a:p>
+                <a:r>
+                  <a:rPr lang="pt-BR">
+                    <a:noFill/>
+                  </a:rPr>
+                  <a:t> </a:t>
+                </a:r>
+              </a:p>
+            </p:txBody>
+          </p:sp>
+        </mc:Fallback>
+      </mc:AlternateContent>
+      <p:sp>
+        <p:nvSpPr>
+          <p:cNvPr id="145" name="Elipse 144">
+            <a:extLst>
+              <a:ext uri="{FF2B5EF4-FFF2-40B4-BE49-F238E27FC236}">
+                <a16:creationId xmlns:a16="http://schemas.microsoft.com/office/drawing/2014/main" id="{440E041C-A2D1-424A-AED6-EE847DDC8C07}"/>
+              </a:ext>
+            </a:extLst>
+          </p:cNvPr>
+          <p:cNvSpPr/>
+          <p:nvPr/>
+        </p:nvSpPr>
+        <p:spPr>
+          <a:xfrm>
+            <a:off x="6879129" y="3097299"/>
+            <a:ext cx="45719" cy="45719"/>
+          </a:xfrm>
+          <a:prstGeom prst="ellipse">
+            <a:avLst/>
+          </a:prstGeom>
+        </p:spPr>
+        <p:style>
+          <a:lnRef idx="2">
+            <a:schemeClr val="dk1">
+              <a:shade val="50000"/>
+            </a:schemeClr>
+          </a:lnRef>
+          <a:fillRef idx="1">
+            <a:schemeClr val="dk1"/>
+          </a:fillRef>
+          <a:effectRef idx="0">
+            <a:schemeClr val="dk1"/>
+          </a:effectRef>
+          <a:fontRef idx="minor">
+            <a:schemeClr val="lt1"/>
+          </a:fontRef>
+        </p:style>
+        <p:txBody>
+          <a:bodyPr rtlCol="0" anchor="ctr"/>
+          <a:lstStyle/>
+          <a:p>
+            <a:pPr algn="ctr"/>
+            <a:endParaRPr lang="pt-BR"/>
+          </a:p>
+        </p:txBody>
+      </p:sp>
+      <p:cxnSp>
+        <p:nvCxnSpPr>
+          <p:cNvPr id="173" name="Conector de Seta Reta 172">
+            <a:extLst>
+              <a:ext uri="{FF2B5EF4-FFF2-40B4-BE49-F238E27FC236}">
+                <a16:creationId xmlns:a16="http://schemas.microsoft.com/office/drawing/2014/main" id="{7B9F6F15-A6AF-466E-8EC0-3A4B86888EEC}"/>
+              </a:ext>
+            </a:extLst>
+          </p:cNvPr>
+          <p:cNvCxnSpPr>
+            <a:cxnSpLocks/>
+          </p:cNvCxnSpPr>
+          <p:nvPr/>
+        </p:nvCxnSpPr>
+        <p:spPr>
+          <a:xfrm>
+            <a:off x="4217550" y="3120157"/>
+            <a:ext cx="441704" cy="2"/>
+          </a:xfrm>
+          <a:prstGeom prst="straightConnector1">
+            <a:avLst/>
+          </a:prstGeom>
+          <a:ln>
+            <a:tailEnd type="triangle"/>
+          </a:ln>
+        </p:spPr>
+        <p:style>
+          <a:lnRef idx="1">
+            <a:schemeClr val="dk1"/>
+          </a:lnRef>
+          <a:fillRef idx="0">
+            <a:schemeClr val="dk1"/>
+          </a:fillRef>
+          <a:effectRef idx="0">
+            <a:schemeClr val="dk1"/>
+          </a:effectRef>
+          <a:fontRef idx="minor">
+            <a:schemeClr val="tx1"/>
+          </a:fontRef>
+        </p:style>
+      </p:cxnSp>
+      <p:cxnSp>
+        <p:nvCxnSpPr>
+          <p:cNvPr id="178" name="Conector de Seta Reta 177">
+            <a:extLst>
+              <a:ext uri="{FF2B5EF4-FFF2-40B4-BE49-F238E27FC236}">
+                <a16:creationId xmlns:a16="http://schemas.microsoft.com/office/drawing/2014/main" id="{D29A6B35-64FD-438F-9509-1891798B7681}"/>
+              </a:ext>
+            </a:extLst>
+          </p:cNvPr>
+          <p:cNvCxnSpPr>
+            <a:cxnSpLocks/>
+          </p:cNvCxnSpPr>
+          <p:nvPr/>
+        </p:nvCxnSpPr>
+        <p:spPr>
+          <a:xfrm>
+            <a:off x="3229272" y="3120158"/>
+            <a:ext cx="720000" cy="0"/>
+          </a:xfrm>
+          <a:prstGeom prst="straightConnector1">
+            <a:avLst/>
+          </a:prstGeom>
+          <a:ln>
+            <a:tailEnd type="triangle"/>
+          </a:ln>
+        </p:spPr>
+        <p:style>
+          <a:lnRef idx="1">
+            <a:schemeClr val="dk1"/>
+          </a:lnRef>
+          <a:fillRef idx="0">
+            <a:schemeClr val="dk1"/>
+          </a:fillRef>
+          <a:effectRef idx="0">
+            <a:schemeClr val="dk1"/>
+          </a:effectRef>
+          <a:fontRef idx="minor">
+            <a:schemeClr val="tx1"/>
+          </a:fontRef>
+        </p:style>
+      </p:cxnSp>
+      <p:sp>
+        <p:nvSpPr>
+          <p:cNvPr id="202" name="CaixaDeTexto 201">
+            <a:extLst>
+              <a:ext uri="{FF2B5EF4-FFF2-40B4-BE49-F238E27FC236}">
+                <a16:creationId xmlns:a16="http://schemas.microsoft.com/office/drawing/2014/main" id="{C31406EC-A058-413B-BD4B-618B2F3363D8}"/>
+              </a:ext>
+            </a:extLst>
+          </p:cNvPr>
+          <p:cNvSpPr txBox="1"/>
+          <p:nvPr/>
+        </p:nvSpPr>
+        <p:spPr>
+          <a:xfrm>
+            <a:off x="3949272" y="3533567"/>
+            <a:ext cx="1309890" cy="246221"/>
+          </a:xfrm>
+          <a:prstGeom prst="rect">
+            <a:avLst/>
+          </a:prstGeom>
+          <a:noFill/>
+        </p:spPr>
+        <p:txBody>
+          <a:bodyPr wrap="square" rtlCol="0" anchor="ctr" anchorCtr="1">
+            <a:spAutoFit/>
+          </a:bodyPr>
+          <a:lstStyle/>
+          <a:p>
+            <a:pPr algn="ctr"/>
+            <a:r>
+              <a:rPr lang="pt-BR" sz="1000" dirty="0"/>
+              <a:t>Sensor de Tensão</a:t>
+            </a:r>
+          </a:p>
+        </p:txBody>
+      </p:sp>
+    </p:spTree>
+    <p:extLst>
+      <p:ext uri="{BB962C8B-B14F-4D97-AF65-F5344CB8AC3E}">
+        <p14:creationId xmlns:p14="http://schemas.microsoft.com/office/powerpoint/2010/main" val="428544816"/>
       </p:ext>
     </p:extLst>
   </p:cSld>
@@ -21184,6 +21931,907 @@
 </p:sld>
 </file>
 
+<file path=ppt/slides/slide9.xml><?xml version="1.0" encoding="utf-8"?>
+<p:sld xmlns:a="http://schemas.openxmlformats.org/drawingml/2006/main" xmlns:r="http://schemas.openxmlformats.org/officeDocument/2006/relationships" xmlns:p="http://schemas.openxmlformats.org/presentationml/2006/main">
+  <p:cSld>
+    <p:spTree>
+      <p:nvGrpSpPr>
+        <p:cNvPr id="1" name=""/>
+        <p:cNvGrpSpPr/>
+        <p:nvPr/>
+      </p:nvGrpSpPr>
+      <p:grpSpPr>
+        <a:xfrm>
+          <a:off x="0" y="0"/>
+          <a:ext cx="0" cy="0"/>
+          <a:chOff x="0" y="0"/>
+          <a:chExt cx="0" cy="0"/>
+        </a:xfrm>
+      </p:grpSpPr>
+      <p:sp>
+        <p:nvSpPr>
+          <p:cNvPr id="4" name="Fluxograma: Processo 3">
+            <a:extLst>
+              <a:ext uri="{FF2B5EF4-FFF2-40B4-BE49-F238E27FC236}">
+                <a16:creationId xmlns:a16="http://schemas.microsoft.com/office/drawing/2014/main" id="{9EBAE7F4-AEF4-470C-9DF9-BB7ED89DE7C1}"/>
+              </a:ext>
+            </a:extLst>
+          </p:cNvPr>
+          <p:cNvSpPr/>
+          <p:nvPr/>
+        </p:nvSpPr>
+        <p:spPr>
+          <a:xfrm>
+            <a:off x="4659254" y="2915882"/>
+            <a:ext cx="653616" cy="408552"/>
+          </a:xfrm>
+          <a:prstGeom prst="flowChartProcess">
+            <a:avLst/>
+          </a:prstGeom>
+        </p:spPr>
+        <p:style>
+          <a:lnRef idx="2">
+            <a:schemeClr val="dk1"/>
+          </a:lnRef>
+          <a:fillRef idx="1">
+            <a:schemeClr val="lt1"/>
+          </a:fillRef>
+          <a:effectRef idx="0">
+            <a:schemeClr val="dk1"/>
+          </a:effectRef>
+          <a:fontRef idx="minor">
+            <a:schemeClr val="dk1"/>
+          </a:fontRef>
+        </p:style>
+        <p:txBody>
+          <a:bodyPr rtlCol="0" anchor="ctr"/>
+          <a:lstStyle/>
+          <a:p>
+            <a:pPr algn="ctr"/>
+            <a:r>
+              <a:rPr lang="pt-BR" sz="1200" dirty="0"/>
+              <a:t>PID</a:t>
+            </a:r>
+          </a:p>
+          <a:p>
+            <a:pPr algn="ctr"/>
+            <a:r>
+              <a:rPr lang="pt-BR" sz="800" dirty="0"/>
+              <a:t>Posição</a:t>
+            </a:r>
+            <a:endParaRPr lang="pt-BR" sz="1200" dirty="0"/>
+          </a:p>
+        </p:txBody>
+      </p:sp>
+      <p:cxnSp>
+        <p:nvCxnSpPr>
+          <p:cNvPr id="35" name="Conector de Seta Reta 34">
+            <a:extLst>
+              <a:ext uri="{FF2B5EF4-FFF2-40B4-BE49-F238E27FC236}">
+                <a16:creationId xmlns:a16="http://schemas.microsoft.com/office/drawing/2014/main" id="{5104C636-4EAB-41E8-B782-5E251991FAFD}"/>
+              </a:ext>
+            </a:extLst>
+          </p:cNvPr>
+          <p:cNvCxnSpPr>
+            <a:cxnSpLocks/>
+          </p:cNvCxnSpPr>
+          <p:nvPr/>
+        </p:nvCxnSpPr>
+        <p:spPr>
+          <a:xfrm>
+            <a:off x="6570779" y="3120158"/>
+            <a:ext cx="720000" cy="0"/>
+          </a:xfrm>
+          <a:prstGeom prst="straightConnector1">
+            <a:avLst/>
+          </a:prstGeom>
+          <a:ln>
+            <a:tailEnd type="triangle"/>
+          </a:ln>
+        </p:spPr>
+        <p:style>
+          <a:lnRef idx="1">
+            <a:schemeClr val="dk1"/>
+          </a:lnRef>
+          <a:fillRef idx="0">
+            <a:schemeClr val="dk1"/>
+          </a:fillRef>
+          <a:effectRef idx="0">
+            <a:schemeClr val="dk1"/>
+          </a:effectRef>
+          <a:fontRef idx="minor">
+            <a:schemeClr val="tx1"/>
+          </a:fontRef>
+        </p:style>
+      </p:cxnSp>
+      <mc:AlternateContent xmlns:mc="http://schemas.openxmlformats.org/markup-compatibility/2006">
+        <mc:Choice xmlns:a14="http://schemas.microsoft.com/office/drawing/2010/main" Requires="a14">
+          <p:sp>
+            <p:nvSpPr>
+              <p:cNvPr id="52" name="CaixaDeTexto 51">
+                <a:extLst>
+                  <a:ext uri="{FF2B5EF4-FFF2-40B4-BE49-F238E27FC236}">
+                    <a16:creationId xmlns:a16="http://schemas.microsoft.com/office/drawing/2014/main" id="{4B2D9259-EC1E-4816-B29D-3E604FCEC164}"/>
+                  </a:ext>
+                </a:extLst>
+              </p:cNvPr>
+              <p:cNvSpPr txBox="1"/>
+              <p:nvPr/>
+            </p:nvSpPr>
+            <p:spPr>
+              <a:xfrm>
+                <a:off x="6855832" y="2843105"/>
+                <a:ext cx="553758" cy="276999"/>
+              </a:xfrm>
+              <a:prstGeom prst="rect">
+                <a:avLst/>
+              </a:prstGeom>
+              <a:noFill/>
+            </p:spPr>
+            <p:txBody>
+              <a:bodyPr wrap="square" rtlCol="0">
+                <a:spAutoFit/>
+              </a:bodyPr>
+              <a:lstStyle/>
+              <a:p>
+                <a:pPr/>
+                <a14:m>
+                  <m:oMathPara xmlns:m="http://schemas.openxmlformats.org/officeDocument/2006/math">
+                    <m:oMathParaPr>
+                      <m:jc m:val="center"/>
+                    </m:oMathParaPr>
+                    <m:oMath xmlns:m="http://schemas.openxmlformats.org/officeDocument/2006/math">
+                      <m:sSub>
+                        <m:sSubPr>
+                          <m:ctrlPr>
+                            <a:rPr lang="pt-BR" sz="1200" b="0" i="1" smtClean="0">
+                              <a:latin typeface="Cambria Math" panose="02040503050406030204" pitchFamily="18" charset="0"/>
+                            </a:rPr>
+                          </m:ctrlPr>
+                        </m:sSubPr>
+                        <m:e>
+                          <m:r>
+                            <a:rPr lang="pt-BR" sz="1200" b="0" i="1" smtClean="0">
+                              <a:latin typeface="Cambria Math" panose="02040503050406030204" pitchFamily="18" charset="0"/>
+                            </a:rPr>
+                            <m:t>𝑃</m:t>
+                          </m:r>
+                        </m:e>
+                        <m:sub>
+                          <m:r>
+                            <a:rPr lang="pt-BR" sz="1200" b="0" i="1" smtClean="0">
+                              <a:latin typeface="Cambria Math" panose="02040503050406030204" pitchFamily="18" charset="0"/>
+                            </a:rPr>
+                            <m:t>𝑃𝑉</m:t>
+                          </m:r>
+                        </m:sub>
+                      </m:sSub>
+                    </m:oMath>
+                  </m:oMathPara>
+                </a14:m>
+                <a:endParaRPr lang="pt-BR" sz="1200" dirty="0"/>
+              </a:p>
+            </p:txBody>
+          </p:sp>
+        </mc:Choice>
+        <mc:Fallback>
+          <p:sp>
+            <p:nvSpPr>
+              <p:cNvPr id="52" name="CaixaDeTexto 51">
+                <a:extLst>
+                  <a:ext uri="{FF2B5EF4-FFF2-40B4-BE49-F238E27FC236}">
+                    <a16:creationId xmlns:a16="http://schemas.microsoft.com/office/drawing/2014/main" id="{4B2D9259-EC1E-4816-B29D-3E604FCEC164}"/>
+                  </a:ext>
+                </a:extLst>
+              </p:cNvPr>
+              <p:cNvSpPr txBox="1">
+                <a:spLocks noRot="1" noChangeAspect="1" noMove="1" noResize="1" noEditPoints="1" noAdjustHandles="1" noChangeArrowheads="1" noChangeShapeType="1" noTextEdit="1"/>
+              </p:cNvSpPr>
+              <p:nvPr/>
+            </p:nvSpPr>
+            <p:spPr>
+              <a:xfrm>
+                <a:off x="6855832" y="2843105"/>
+                <a:ext cx="553758" cy="276999"/>
+              </a:xfrm>
+              <a:prstGeom prst="rect">
+                <a:avLst/>
+              </a:prstGeom>
+              <a:blipFill>
+                <a:blip r:embed="rId2"/>
+                <a:stretch>
+                  <a:fillRect/>
+                </a:stretch>
+              </a:blipFill>
+            </p:spPr>
+            <p:txBody>
+              <a:bodyPr/>
+              <a:lstStyle/>
+              <a:p>
+                <a:r>
+                  <a:rPr lang="pt-BR">
+                    <a:noFill/>
+                  </a:rPr>
+                  <a:t> </a:t>
+                </a:r>
+              </a:p>
+            </p:txBody>
+          </p:sp>
+        </mc:Fallback>
+      </mc:AlternateContent>
+      <p:sp>
+        <p:nvSpPr>
+          <p:cNvPr id="21" name="Fluxograma: Processo 20">
+            <a:extLst>
+              <a:ext uri="{FF2B5EF4-FFF2-40B4-BE49-F238E27FC236}">
+                <a16:creationId xmlns:a16="http://schemas.microsoft.com/office/drawing/2014/main" id="{69613291-C3C8-4646-A9AD-758E82BDEF86}"/>
+              </a:ext>
+            </a:extLst>
+          </p:cNvPr>
+          <p:cNvSpPr/>
+          <p:nvPr/>
+        </p:nvSpPr>
+        <p:spPr>
+          <a:xfrm>
+            <a:off x="5621220" y="2779517"/>
+            <a:ext cx="949559" cy="649479"/>
+          </a:xfrm>
+          <a:prstGeom prst="flowChartProcess">
+            <a:avLst/>
+          </a:prstGeom>
+        </p:spPr>
+        <p:style>
+          <a:lnRef idx="2">
+            <a:schemeClr val="dk1"/>
+          </a:lnRef>
+          <a:fillRef idx="1">
+            <a:schemeClr val="lt1"/>
+          </a:fillRef>
+          <a:effectRef idx="0">
+            <a:schemeClr val="dk1"/>
+          </a:effectRef>
+          <a:fontRef idx="minor">
+            <a:schemeClr val="dk1"/>
+          </a:fontRef>
+        </p:style>
+        <p:txBody>
+          <a:bodyPr rtlCol="0" anchor="ctr"/>
+          <a:lstStyle/>
+          <a:p>
+            <a:pPr algn="ctr"/>
+            <a:r>
+              <a:rPr lang="pt-BR" sz="1100" dirty="0">
+                <a:ea typeface="Cambria Math" panose="02040503050406030204" pitchFamily="18" charset="0"/>
+              </a:rPr>
+              <a:t>Acumulador</a:t>
+            </a:r>
+          </a:p>
+        </p:txBody>
+      </p:sp>
+      <p:cxnSp>
+        <p:nvCxnSpPr>
+          <p:cNvPr id="48" name="Conector de Seta Reta 47">
+            <a:extLst>
+              <a:ext uri="{FF2B5EF4-FFF2-40B4-BE49-F238E27FC236}">
+                <a16:creationId xmlns:a16="http://schemas.microsoft.com/office/drawing/2014/main" id="{D30A914D-EFF4-4726-B63B-9BDA5E13EAB4}"/>
+              </a:ext>
+            </a:extLst>
+          </p:cNvPr>
+          <p:cNvCxnSpPr>
+            <a:cxnSpLocks/>
+          </p:cNvCxnSpPr>
+          <p:nvPr/>
+        </p:nvCxnSpPr>
+        <p:spPr>
+          <a:xfrm>
+            <a:off x="5312870" y="3120158"/>
+            <a:ext cx="308352" cy="0"/>
+          </a:xfrm>
+          <a:prstGeom prst="straightConnector1">
+            <a:avLst/>
+          </a:prstGeom>
+          <a:ln>
+            <a:tailEnd type="triangle"/>
+          </a:ln>
+        </p:spPr>
+        <p:style>
+          <a:lnRef idx="1">
+            <a:schemeClr val="dk1"/>
+          </a:lnRef>
+          <a:fillRef idx="0">
+            <a:schemeClr val="dk1"/>
+          </a:fillRef>
+          <a:effectRef idx="0">
+            <a:schemeClr val="dk1"/>
+          </a:effectRef>
+          <a:fontRef idx="minor">
+            <a:schemeClr val="tx1"/>
+          </a:fontRef>
+        </p:style>
+      </p:cxnSp>
+      <p:sp>
+        <p:nvSpPr>
+          <p:cNvPr id="65" name="Fluxograma: Conector 64">
+            <a:extLst>
+              <a:ext uri="{FF2B5EF4-FFF2-40B4-BE49-F238E27FC236}">
+                <a16:creationId xmlns:a16="http://schemas.microsoft.com/office/drawing/2014/main" id="{9208D957-A46A-4FE4-B7F8-4640379B73D8}"/>
+              </a:ext>
+            </a:extLst>
+          </p:cNvPr>
+          <p:cNvSpPr/>
+          <p:nvPr/>
+        </p:nvSpPr>
+        <p:spPr>
+          <a:xfrm>
+            <a:off x="3950850" y="2986808"/>
+            <a:ext cx="266700" cy="266700"/>
+          </a:xfrm>
+          <a:prstGeom prst="flowChartConnector">
+            <a:avLst/>
+          </a:prstGeom>
+        </p:spPr>
+        <p:style>
+          <a:lnRef idx="2">
+            <a:schemeClr val="dk1"/>
+          </a:lnRef>
+          <a:fillRef idx="1">
+            <a:schemeClr val="lt1"/>
+          </a:fillRef>
+          <a:effectRef idx="0">
+            <a:schemeClr val="dk1"/>
+          </a:effectRef>
+          <a:fontRef idx="minor">
+            <a:schemeClr val="dk1"/>
+          </a:fontRef>
+        </p:style>
+        <p:txBody>
+          <a:bodyPr rtlCol="0" anchor="ctr"/>
+          <a:lstStyle/>
+          <a:p>
+            <a:pPr algn="ctr"/>
+            <a:r>
+              <a:rPr lang="el-GR" sz="1050" b="1" dirty="0">
+                <a:latin typeface="Cambria Math" panose="02040503050406030204" pitchFamily="18" charset="0"/>
+                <a:ea typeface="Cambria Math" panose="02040503050406030204" pitchFamily="18" charset="0"/>
+              </a:rPr>
+              <a:t>Σ</a:t>
+            </a:r>
+            <a:endParaRPr lang="pt-BR" sz="1050" b="1" dirty="0">
+              <a:latin typeface="Cambria Math" panose="02040503050406030204" pitchFamily="18" charset="0"/>
+              <a:ea typeface="Cambria Math" panose="02040503050406030204" pitchFamily="18" charset="0"/>
+            </a:endParaRPr>
+          </a:p>
+        </p:txBody>
+      </p:sp>
+      <p:cxnSp>
+        <p:nvCxnSpPr>
+          <p:cNvPr id="110" name="Conector: Angulado 109">
+            <a:extLst>
+              <a:ext uri="{FF2B5EF4-FFF2-40B4-BE49-F238E27FC236}">
+                <a16:creationId xmlns:a16="http://schemas.microsoft.com/office/drawing/2014/main" id="{FA629322-5B89-4553-A18D-0A8F313CBDB7}"/>
+              </a:ext>
+            </a:extLst>
+          </p:cNvPr>
+          <p:cNvCxnSpPr>
+            <a:cxnSpLocks/>
+            <a:stCxn id="145" idx="4"/>
+            <a:endCxn id="65" idx="4"/>
+          </p:cNvCxnSpPr>
+          <p:nvPr/>
+        </p:nvCxnSpPr>
+        <p:spPr>
+          <a:xfrm rot="5400000">
+            <a:off x="5437850" y="1789369"/>
+            <a:ext cx="110490" cy="2817789"/>
+          </a:xfrm>
+          <a:prstGeom prst="bentConnector3">
+            <a:avLst>
+              <a:gd name="adj1" fmla="val 536782"/>
+            </a:avLst>
+          </a:prstGeom>
+          <a:ln>
+            <a:tailEnd type="triangle"/>
+          </a:ln>
+        </p:spPr>
+        <p:style>
+          <a:lnRef idx="1">
+            <a:schemeClr val="dk1"/>
+          </a:lnRef>
+          <a:fillRef idx="0">
+            <a:schemeClr val="dk1"/>
+          </a:fillRef>
+          <a:effectRef idx="0">
+            <a:schemeClr val="dk1"/>
+          </a:effectRef>
+          <a:fontRef idx="minor">
+            <a:schemeClr val="tx1"/>
+          </a:fontRef>
+        </p:style>
+      </p:cxnSp>
+      <p:sp>
+        <p:nvSpPr>
+          <p:cNvPr id="115" name="CaixaDeTexto 114">
+            <a:extLst>
+              <a:ext uri="{FF2B5EF4-FFF2-40B4-BE49-F238E27FC236}">
+                <a16:creationId xmlns:a16="http://schemas.microsoft.com/office/drawing/2014/main" id="{1A2B9167-8DB6-4743-A570-ECAE02716F5D}"/>
+              </a:ext>
+            </a:extLst>
+          </p:cNvPr>
+          <p:cNvSpPr txBox="1"/>
+          <p:nvPr/>
+        </p:nvSpPr>
+        <p:spPr>
+          <a:xfrm>
+            <a:off x="3887482" y="3169887"/>
+            <a:ext cx="266700" cy="276999"/>
+          </a:xfrm>
+          <a:prstGeom prst="rect">
+            <a:avLst/>
+          </a:prstGeom>
+          <a:noFill/>
+        </p:spPr>
+        <p:txBody>
+          <a:bodyPr wrap="square" rtlCol="0">
+            <a:spAutoFit/>
+          </a:bodyPr>
+          <a:lstStyle/>
+          <a:p>
+            <a:pPr algn="ctr"/>
+            <a:r>
+              <a:rPr lang="pt-BR" sz="1200" dirty="0"/>
+              <a:t>-</a:t>
+            </a:r>
+          </a:p>
+        </p:txBody>
+      </p:sp>
+      <mc:AlternateContent xmlns:mc="http://schemas.openxmlformats.org/markup-compatibility/2006">
+        <mc:Choice xmlns:a14="http://schemas.microsoft.com/office/drawing/2010/main" Requires="a14">
+          <p:sp>
+            <p:nvSpPr>
+              <p:cNvPr id="116" name="CaixaDeTexto 115">
+                <a:extLst>
+                  <a:ext uri="{FF2B5EF4-FFF2-40B4-BE49-F238E27FC236}">
+                    <a16:creationId xmlns:a16="http://schemas.microsoft.com/office/drawing/2014/main" id="{D43D7A3E-C647-4C5F-9233-9DFFA07E606D}"/>
+                  </a:ext>
+                </a:extLst>
+              </p:cNvPr>
+              <p:cNvSpPr txBox="1"/>
+              <p:nvPr/>
+            </p:nvSpPr>
+            <p:spPr>
+              <a:xfrm>
+                <a:off x="3118636" y="2849588"/>
+                <a:ext cx="553758" cy="276999"/>
+              </a:xfrm>
+              <a:prstGeom prst="rect">
+                <a:avLst/>
+              </a:prstGeom>
+              <a:noFill/>
+            </p:spPr>
+            <p:txBody>
+              <a:bodyPr wrap="square" rtlCol="0">
+                <a:spAutoFit/>
+              </a:bodyPr>
+              <a:lstStyle/>
+              <a:p>
+                <a:pPr/>
+                <a14:m>
+                  <m:oMathPara xmlns:m="http://schemas.openxmlformats.org/officeDocument/2006/math">
+                    <m:oMathParaPr>
+                      <m:jc m:val="center"/>
+                    </m:oMathParaPr>
+                    <m:oMath xmlns:m="http://schemas.openxmlformats.org/officeDocument/2006/math">
+                      <m:sSub>
+                        <m:sSubPr>
+                          <m:ctrlPr>
+                            <a:rPr lang="pt-BR" sz="1200" b="0" i="1" smtClean="0">
+                              <a:latin typeface="Cambria Math" panose="02040503050406030204" pitchFamily="18" charset="0"/>
+                            </a:rPr>
+                          </m:ctrlPr>
+                        </m:sSubPr>
+                        <m:e>
+                          <m:r>
+                            <a:rPr lang="pt-BR" sz="1200" b="0" i="1" smtClean="0">
+                              <a:latin typeface="Cambria Math" panose="02040503050406030204" pitchFamily="18" charset="0"/>
+                            </a:rPr>
+                            <m:t>𝑃</m:t>
+                          </m:r>
+                        </m:e>
+                        <m:sub>
+                          <m:r>
+                            <a:rPr lang="pt-BR" sz="1200" b="0" i="1" smtClean="0">
+                              <a:latin typeface="Cambria Math" panose="02040503050406030204" pitchFamily="18" charset="0"/>
+                            </a:rPr>
+                            <m:t>𝑆𝑃</m:t>
+                          </m:r>
+                        </m:sub>
+                      </m:sSub>
+                    </m:oMath>
+                  </m:oMathPara>
+                </a14:m>
+                <a:endParaRPr lang="pt-BR" sz="1200" dirty="0"/>
+              </a:p>
+            </p:txBody>
+          </p:sp>
+        </mc:Choice>
+        <mc:Fallback>
+          <p:sp>
+            <p:nvSpPr>
+              <p:cNvPr id="116" name="CaixaDeTexto 115">
+                <a:extLst>
+                  <a:ext uri="{FF2B5EF4-FFF2-40B4-BE49-F238E27FC236}">
+                    <a16:creationId xmlns:a16="http://schemas.microsoft.com/office/drawing/2014/main" id="{D43D7A3E-C647-4C5F-9233-9DFFA07E606D}"/>
+                  </a:ext>
+                </a:extLst>
+              </p:cNvPr>
+              <p:cNvSpPr txBox="1">
+                <a:spLocks noRot="1" noChangeAspect="1" noMove="1" noResize="1" noEditPoints="1" noAdjustHandles="1" noChangeArrowheads="1" noChangeShapeType="1" noTextEdit="1"/>
+              </p:cNvSpPr>
+              <p:nvPr/>
+            </p:nvSpPr>
+            <p:spPr>
+              <a:xfrm>
+                <a:off x="3118636" y="2849588"/>
+                <a:ext cx="553758" cy="276999"/>
+              </a:xfrm>
+              <a:prstGeom prst="rect">
+                <a:avLst/>
+              </a:prstGeom>
+              <a:blipFill>
+                <a:blip r:embed="rId3"/>
+                <a:stretch>
+                  <a:fillRect/>
+                </a:stretch>
+              </a:blipFill>
+            </p:spPr>
+            <p:txBody>
+              <a:bodyPr/>
+              <a:lstStyle/>
+              <a:p>
+                <a:r>
+                  <a:rPr lang="pt-BR">
+                    <a:noFill/>
+                  </a:rPr>
+                  <a:t> </a:t>
+                </a:r>
+              </a:p>
+            </p:txBody>
+          </p:sp>
+        </mc:Fallback>
+      </mc:AlternateContent>
+      <p:sp>
+        <p:nvSpPr>
+          <p:cNvPr id="145" name="Elipse 144">
+            <a:extLst>
+              <a:ext uri="{FF2B5EF4-FFF2-40B4-BE49-F238E27FC236}">
+                <a16:creationId xmlns:a16="http://schemas.microsoft.com/office/drawing/2014/main" id="{440E041C-A2D1-424A-AED6-EE847DDC8C07}"/>
+              </a:ext>
+            </a:extLst>
+          </p:cNvPr>
+          <p:cNvSpPr/>
+          <p:nvPr/>
+        </p:nvSpPr>
+        <p:spPr>
+          <a:xfrm>
+            <a:off x="6879129" y="3097299"/>
+            <a:ext cx="45719" cy="45719"/>
+          </a:xfrm>
+          <a:prstGeom prst="ellipse">
+            <a:avLst/>
+          </a:prstGeom>
+        </p:spPr>
+        <p:style>
+          <a:lnRef idx="2">
+            <a:schemeClr val="dk1">
+              <a:shade val="50000"/>
+            </a:schemeClr>
+          </a:lnRef>
+          <a:fillRef idx="1">
+            <a:schemeClr val="dk1"/>
+          </a:fillRef>
+          <a:effectRef idx="0">
+            <a:schemeClr val="dk1"/>
+          </a:effectRef>
+          <a:fontRef idx="minor">
+            <a:schemeClr val="lt1"/>
+          </a:fontRef>
+        </p:style>
+        <p:txBody>
+          <a:bodyPr rtlCol="0" anchor="ctr"/>
+          <a:lstStyle/>
+          <a:p>
+            <a:pPr algn="ctr"/>
+            <a:endParaRPr lang="pt-BR"/>
+          </a:p>
+        </p:txBody>
+      </p:sp>
+      <p:cxnSp>
+        <p:nvCxnSpPr>
+          <p:cNvPr id="173" name="Conector de Seta Reta 172">
+            <a:extLst>
+              <a:ext uri="{FF2B5EF4-FFF2-40B4-BE49-F238E27FC236}">
+                <a16:creationId xmlns:a16="http://schemas.microsoft.com/office/drawing/2014/main" id="{7B9F6F15-A6AF-466E-8EC0-3A4B86888EEC}"/>
+              </a:ext>
+            </a:extLst>
+          </p:cNvPr>
+          <p:cNvCxnSpPr>
+            <a:cxnSpLocks/>
+          </p:cNvCxnSpPr>
+          <p:nvPr/>
+        </p:nvCxnSpPr>
+        <p:spPr>
+          <a:xfrm>
+            <a:off x="4217550" y="3120157"/>
+            <a:ext cx="441704" cy="2"/>
+          </a:xfrm>
+          <a:prstGeom prst="straightConnector1">
+            <a:avLst/>
+          </a:prstGeom>
+          <a:ln>
+            <a:tailEnd type="triangle"/>
+          </a:ln>
+        </p:spPr>
+        <p:style>
+          <a:lnRef idx="1">
+            <a:schemeClr val="dk1"/>
+          </a:lnRef>
+          <a:fillRef idx="0">
+            <a:schemeClr val="dk1"/>
+          </a:fillRef>
+          <a:effectRef idx="0">
+            <a:schemeClr val="dk1"/>
+          </a:effectRef>
+          <a:fontRef idx="minor">
+            <a:schemeClr val="tx1"/>
+          </a:fontRef>
+        </p:style>
+      </p:cxnSp>
+      <p:cxnSp>
+        <p:nvCxnSpPr>
+          <p:cNvPr id="178" name="Conector de Seta Reta 177">
+            <a:extLst>
+              <a:ext uri="{FF2B5EF4-FFF2-40B4-BE49-F238E27FC236}">
+                <a16:creationId xmlns:a16="http://schemas.microsoft.com/office/drawing/2014/main" id="{D29A6B35-64FD-438F-9509-1891798B7681}"/>
+              </a:ext>
+            </a:extLst>
+          </p:cNvPr>
+          <p:cNvCxnSpPr>
+            <a:cxnSpLocks/>
+          </p:cNvCxnSpPr>
+          <p:nvPr/>
+        </p:nvCxnSpPr>
+        <p:spPr>
+          <a:xfrm>
+            <a:off x="3229272" y="3120158"/>
+            <a:ext cx="720000" cy="0"/>
+          </a:xfrm>
+          <a:prstGeom prst="straightConnector1">
+            <a:avLst/>
+          </a:prstGeom>
+          <a:ln>
+            <a:tailEnd type="triangle"/>
+          </a:ln>
+        </p:spPr>
+        <p:style>
+          <a:lnRef idx="1">
+            <a:schemeClr val="dk1"/>
+          </a:lnRef>
+          <a:fillRef idx="0">
+            <a:schemeClr val="dk1"/>
+          </a:fillRef>
+          <a:effectRef idx="0">
+            <a:schemeClr val="dk1"/>
+          </a:effectRef>
+          <a:fontRef idx="minor">
+            <a:schemeClr val="tx1"/>
+          </a:fontRef>
+        </p:style>
+      </p:cxnSp>
+      <p:sp>
+        <p:nvSpPr>
+          <p:cNvPr id="202" name="CaixaDeTexto 201">
+            <a:extLst>
+              <a:ext uri="{FF2B5EF4-FFF2-40B4-BE49-F238E27FC236}">
+                <a16:creationId xmlns:a16="http://schemas.microsoft.com/office/drawing/2014/main" id="{C31406EC-A058-413B-BD4B-618B2F3363D8}"/>
+              </a:ext>
+            </a:extLst>
+          </p:cNvPr>
+          <p:cNvSpPr txBox="1"/>
+          <p:nvPr/>
+        </p:nvSpPr>
+        <p:spPr>
+          <a:xfrm>
+            <a:off x="3949272" y="3533567"/>
+            <a:ext cx="1309890" cy="246221"/>
+          </a:xfrm>
+          <a:prstGeom prst="rect">
+            <a:avLst/>
+          </a:prstGeom>
+          <a:noFill/>
+        </p:spPr>
+        <p:txBody>
+          <a:bodyPr wrap="square" rtlCol="0" anchor="ctr" anchorCtr="1">
+            <a:spAutoFit/>
+          </a:bodyPr>
+          <a:lstStyle/>
+          <a:p>
+            <a:pPr algn="ctr"/>
+            <a:r>
+              <a:rPr lang="pt-BR" sz="1000" dirty="0"/>
+              <a:t>Sensor de Posição</a:t>
+            </a:r>
+          </a:p>
+        </p:txBody>
+      </p:sp>
+      <p:cxnSp>
+        <p:nvCxnSpPr>
+          <p:cNvPr id="63" name="Conector de Seta Reta 62">
+            <a:extLst>
+              <a:ext uri="{FF2B5EF4-FFF2-40B4-BE49-F238E27FC236}">
+                <a16:creationId xmlns:a16="http://schemas.microsoft.com/office/drawing/2014/main" id="{D686B254-71FB-441D-BFFA-4FBFD27BD553}"/>
+              </a:ext>
+            </a:extLst>
+          </p:cNvPr>
+          <p:cNvCxnSpPr>
+            <a:cxnSpLocks/>
+          </p:cNvCxnSpPr>
+          <p:nvPr/>
+        </p:nvCxnSpPr>
+        <p:spPr>
+          <a:xfrm>
+            <a:off x="6096000" y="2424413"/>
+            <a:ext cx="0" cy="355104"/>
+          </a:xfrm>
+          <a:prstGeom prst="straightConnector1">
+            <a:avLst/>
+          </a:prstGeom>
+          <a:ln>
+            <a:tailEnd type="triangle"/>
+          </a:ln>
+        </p:spPr>
+        <p:style>
+          <a:lnRef idx="1">
+            <a:schemeClr val="dk1"/>
+          </a:lnRef>
+          <a:fillRef idx="0">
+            <a:schemeClr val="dk1"/>
+          </a:fillRef>
+          <a:effectRef idx="0">
+            <a:schemeClr val="dk1"/>
+          </a:effectRef>
+          <a:fontRef idx="minor">
+            <a:schemeClr val="tx1"/>
+          </a:fontRef>
+        </p:style>
+      </p:cxnSp>
+      <mc:AlternateContent xmlns:mc="http://schemas.openxmlformats.org/markup-compatibility/2006">
+        <mc:Choice xmlns:a14="http://schemas.microsoft.com/office/drawing/2010/main" Requires="a14">
+          <p:sp>
+            <p:nvSpPr>
+              <p:cNvPr id="66" name="CaixaDeTexto 65">
+                <a:extLst>
+                  <a:ext uri="{FF2B5EF4-FFF2-40B4-BE49-F238E27FC236}">
+                    <a16:creationId xmlns:a16="http://schemas.microsoft.com/office/drawing/2014/main" id="{D5286B34-3FC6-4A42-B882-BFF5870274D4}"/>
+                  </a:ext>
+                </a:extLst>
+              </p:cNvPr>
+              <p:cNvSpPr txBox="1"/>
+              <p:nvPr/>
+            </p:nvSpPr>
+            <p:spPr>
+              <a:xfrm>
+                <a:off x="5819120" y="2147414"/>
+                <a:ext cx="553758" cy="276999"/>
+              </a:xfrm>
+              <a:prstGeom prst="rect">
+                <a:avLst/>
+              </a:prstGeom>
+              <a:noFill/>
+            </p:spPr>
+            <p:txBody>
+              <a:bodyPr wrap="square" rtlCol="0">
+                <a:spAutoFit/>
+              </a:bodyPr>
+              <a:lstStyle/>
+              <a:p>
+                <a:pPr/>
+                <a14:m>
+                  <m:oMathPara xmlns:m="http://schemas.openxmlformats.org/officeDocument/2006/math">
+                    <m:oMathParaPr>
+                      <m:jc m:val="center"/>
+                    </m:oMathParaPr>
+                    <m:oMath xmlns:m="http://schemas.openxmlformats.org/officeDocument/2006/math">
+                      <m:sSub>
+                        <m:sSubPr>
+                          <m:ctrlPr>
+                            <a:rPr lang="pt-BR" sz="1200" b="0" i="1" smtClean="0">
+                              <a:latin typeface="Cambria Math" panose="02040503050406030204" pitchFamily="18" charset="0"/>
+                            </a:rPr>
+                          </m:ctrlPr>
+                        </m:sSubPr>
+                        <m:e>
+                          <m:r>
+                            <a:rPr lang="pt-BR" sz="1200" b="0" i="1" smtClean="0">
+                              <a:latin typeface="Cambria Math" panose="02040503050406030204" pitchFamily="18" charset="0"/>
+                            </a:rPr>
+                            <m:t>𝑇</m:t>
+                          </m:r>
+                        </m:e>
+                        <m:sub>
+                          <m:r>
+                            <a:rPr lang="pt-BR" sz="1200" b="0" i="1" smtClean="0">
+                              <a:latin typeface="Cambria Math" panose="02040503050406030204" pitchFamily="18" charset="0"/>
+                            </a:rPr>
+                            <m:t>𝑐</m:t>
+                          </m:r>
+                        </m:sub>
+                      </m:sSub>
+                    </m:oMath>
+                  </m:oMathPara>
+                </a14:m>
+                <a:endParaRPr lang="pt-BR" sz="1200" i="1" dirty="0"/>
+              </a:p>
+            </p:txBody>
+          </p:sp>
+        </mc:Choice>
+        <mc:Fallback>
+          <p:sp>
+            <p:nvSpPr>
+              <p:cNvPr id="66" name="CaixaDeTexto 65">
+                <a:extLst>
+                  <a:ext uri="{FF2B5EF4-FFF2-40B4-BE49-F238E27FC236}">
+                    <a16:creationId xmlns:a16="http://schemas.microsoft.com/office/drawing/2014/main" id="{D5286B34-3FC6-4A42-B882-BFF5870274D4}"/>
+                  </a:ext>
+                </a:extLst>
+              </p:cNvPr>
+              <p:cNvSpPr txBox="1">
+                <a:spLocks noRot="1" noChangeAspect="1" noMove="1" noResize="1" noEditPoints="1" noAdjustHandles="1" noChangeArrowheads="1" noChangeShapeType="1" noTextEdit="1"/>
+              </p:cNvSpPr>
+              <p:nvPr/>
+            </p:nvSpPr>
+            <p:spPr>
+              <a:xfrm>
+                <a:off x="5819120" y="2147414"/>
+                <a:ext cx="553758" cy="276999"/>
+              </a:xfrm>
+              <a:prstGeom prst="rect">
+                <a:avLst/>
+              </a:prstGeom>
+              <a:blipFill>
+                <a:blip r:embed="rId4"/>
+                <a:stretch>
+                  <a:fillRect/>
+                </a:stretch>
+              </a:blipFill>
+            </p:spPr>
+            <p:txBody>
+              <a:bodyPr/>
+              <a:lstStyle/>
+              <a:p>
+                <a:r>
+                  <a:rPr lang="pt-BR">
+                    <a:noFill/>
+                  </a:rPr>
+                  <a:t> </a:t>
+                </a:r>
+              </a:p>
+            </p:txBody>
+          </p:sp>
+        </mc:Fallback>
+      </mc:AlternateContent>
+    </p:spTree>
+    <p:extLst>
+      <p:ext uri="{BB962C8B-B14F-4D97-AF65-F5344CB8AC3E}">
+        <p14:creationId xmlns:p14="http://schemas.microsoft.com/office/powerpoint/2010/main" val="2327990865"/>
+      </p:ext>
+    </p:extLst>
+  </p:cSld>
+  <p:clrMapOvr>
+    <a:masterClrMapping/>
+  </p:clrMapOvr>
+</p:sld>
+</file>
+
 <file path=ppt/theme/theme1.xml><?xml version="1.0" encoding="utf-8"?>
 <a:theme xmlns:a="http://schemas.openxmlformats.org/drawingml/2006/main" name="Tema do Office">
   <a:themeElements>
